--- a/呼求你憐憫.pptx
+++ b/呼求你憐憫.pptx
@@ -5,10 +5,14 @@
     <p:sldMasterId id="2147483660" r:id="rId1"/>
   </p:sldMasterIdLst>
   <p:sldIdLst>
-    <p:sldId id="257" r:id="rId2"/>
-    <p:sldId id="258" r:id="rId3"/>
-    <p:sldId id="259" r:id="rId4"/>
-    <p:sldId id="260" r:id="rId5"/>
+    <p:sldId id="261" r:id="rId2"/>
+    <p:sldId id="262" r:id="rId3"/>
+    <p:sldId id="263" r:id="rId4"/>
+    <p:sldId id="264" r:id="rId5"/>
+    <p:sldId id="257" r:id="rId6"/>
+    <p:sldId id="258" r:id="rId7"/>
+    <p:sldId id="259" r:id="rId8"/>
+    <p:sldId id="260" r:id="rId9"/>
   </p:sldIdLst>
   <p:sldSz cx="9144000" cy="6858000" type="screen4x3"/>
   <p:notesSz cx="6858000" cy="9144000"/>
@@ -291,7 +295,8 @@
           <a:p>
             <a:fld id="{2144A2A8-0B7C-4AE0-AD7A-EFE43259BCEF}" type="datetimeFigureOut">
               <a:rPr lang="zh-TW" altLang="en-US" smtClean="0"/>
-              <a:t>2017/10/17</a:t>
+              <a:pPr/>
+              <a:t>2019/3/19</a:t>
             </a:fld>
             <a:endParaRPr lang="zh-TW" altLang="en-US"/>
           </a:p>
@@ -333,6 +338,7 @@
           <a:p>
             <a:fld id="{89BACEAB-B445-488B-A9D5-611D454279DB}" type="slidenum">
               <a:rPr lang="zh-TW" altLang="en-US" smtClean="0"/>
+              <a:pPr/>
               <a:t>‹#›</a:t>
             </a:fld>
             <a:endParaRPr lang="zh-TW" altLang="en-US"/>
@@ -456,7 +462,8 @@
           <a:p>
             <a:fld id="{2144A2A8-0B7C-4AE0-AD7A-EFE43259BCEF}" type="datetimeFigureOut">
               <a:rPr lang="zh-TW" altLang="en-US" smtClean="0"/>
-              <a:t>2017/10/17</a:t>
+              <a:pPr/>
+              <a:t>2019/3/19</a:t>
             </a:fld>
             <a:endParaRPr lang="zh-TW" altLang="en-US"/>
           </a:p>
@@ -498,6 +505,7 @@
           <a:p>
             <a:fld id="{89BACEAB-B445-488B-A9D5-611D454279DB}" type="slidenum">
               <a:rPr lang="zh-TW" altLang="en-US" smtClean="0"/>
+              <a:pPr/>
               <a:t>‹#›</a:t>
             </a:fld>
             <a:endParaRPr lang="zh-TW" altLang="en-US"/>
@@ -631,7 +639,8 @@
           <a:p>
             <a:fld id="{2144A2A8-0B7C-4AE0-AD7A-EFE43259BCEF}" type="datetimeFigureOut">
               <a:rPr lang="zh-TW" altLang="en-US" smtClean="0"/>
-              <a:t>2017/10/17</a:t>
+              <a:pPr/>
+              <a:t>2019/3/19</a:t>
             </a:fld>
             <a:endParaRPr lang="zh-TW" altLang="en-US"/>
           </a:p>
@@ -673,6 +682,7 @@
           <a:p>
             <a:fld id="{89BACEAB-B445-488B-A9D5-611D454279DB}" type="slidenum">
               <a:rPr lang="zh-TW" altLang="en-US" smtClean="0"/>
+              <a:pPr/>
               <a:t>‹#›</a:t>
             </a:fld>
             <a:endParaRPr lang="zh-TW" altLang="en-US"/>
@@ -796,7 +806,8 @@
           <a:p>
             <a:fld id="{2144A2A8-0B7C-4AE0-AD7A-EFE43259BCEF}" type="datetimeFigureOut">
               <a:rPr lang="zh-TW" altLang="en-US" smtClean="0"/>
-              <a:t>2017/10/17</a:t>
+              <a:pPr/>
+              <a:t>2019/3/19</a:t>
             </a:fld>
             <a:endParaRPr lang="zh-TW" altLang="en-US"/>
           </a:p>
@@ -838,6 +849,7 @@
           <a:p>
             <a:fld id="{89BACEAB-B445-488B-A9D5-611D454279DB}" type="slidenum">
               <a:rPr lang="zh-TW" altLang="en-US" smtClean="0"/>
+              <a:pPr/>
               <a:t>‹#›</a:t>
             </a:fld>
             <a:endParaRPr lang="zh-TW" altLang="en-US"/>
@@ -1037,7 +1049,8 @@
           <a:p>
             <a:fld id="{2144A2A8-0B7C-4AE0-AD7A-EFE43259BCEF}" type="datetimeFigureOut">
               <a:rPr lang="zh-TW" altLang="en-US" smtClean="0"/>
-              <a:t>2017/10/17</a:t>
+              <a:pPr/>
+              <a:t>2019/3/19</a:t>
             </a:fld>
             <a:endParaRPr lang="zh-TW" altLang="en-US"/>
           </a:p>
@@ -1079,6 +1092,7 @@
           <a:p>
             <a:fld id="{89BACEAB-B445-488B-A9D5-611D454279DB}" type="slidenum">
               <a:rPr lang="zh-TW" altLang="en-US" smtClean="0"/>
+              <a:pPr/>
               <a:t>‹#›</a:t>
             </a:fld>
             <a:endParaRPr lang="zh-TW" altLang="en-US"/>
@@ -1320,7 +1334,8 @@
           <a:p>
             <a:fld id="{2144A2A8-0B7C-4AE0-AD7A-EFE43259BCEF}" type="datetimeFigureOut">
               <a:rPr lang="zh-TW" altLang="en-US" smtClean="0"/>
-              <a:t>2017/10/17</a:t>
+              <a:pPr/>
+              <a:t>2019/3/19</a:t>
             </a:fld>
             <a:endParaRPr lang="zh-TW" altLang="en-US"/>
           </a:p>
@@ -1362,6 +1377,7 @@
           <a:p>
             <a:fld id="{89BACEAB-B445-488B-A9D5-611D454279DB}" type="slidenum">
               <a:rPr lang="zh-TW" altLang="en-US" smtClean="0"/>
+              <a:pPr/>
               <a:t>‹#›</a:t>
             </a:fld>
             <a:endParaRPr lang="zh-TW" altLang="en-US"/>
@@ -1737,7 +1753,8 @@
           <a:p>
             <a:fld id="{2144A2A8-0B7C-4AE0-AD7A-EFE43259BCEF}" type="datetimeFigureOut">
               <a:rPr lang="zh-TW" altLang="en-US" smtClean="0"/>
-              <a:t>2017/10/17</a:t>
+              <a:pPr/>
+              <a:t>2019/3/19</a:t>
             </a:fld>
             <a:endParaRPr lang="zh-TW" altLang="en-US"/>
           </a:p>
@@ -1779,6 +1796,7 @@
           <a:p>
             <a:fld id="{89BACEAB-B445-488B-A9D5-611D454279DB}" type="slidenum">
               <a:rPr lang="zh-TW" altLang="en-US" smtClean="0"/>
+              <a:pPr/>
               <a:t>‹#›</a:t>
             </a:fld>
             <a:endParaRPr lang="zh-TW" altLang="en-US"/>
@@ -1850,7 +1868,8 @@
           <a:p>
             <a:fld id="{2144A2A8-0B7C-4AE0-AD7A-EFE43259BCEF}" type="datetimeFigureOut">
               <a:rPr lang="zh-TW" altLang="en-US" smtClean="0"/>
-              <a:t>2017/10/17</a:t>
+              <a:pPr/>
+              <a:t>2019/3/19</a:t>
             </a:fld>
             <a:endParaRPr lang="zh-TW" altLang="en-US"/>
           </a:p>
@@ -1892,6 +1911,7 @@
           <a:p>
             <a:fld id="{89BACEAB-B445-488B-A9D5-611D454279DB}" type="slidenum">
               <a:rPr lang="zh-TW" altLang="en-US" smtClean="0"/>
+              <a:pPr/>
               <a:t>‹#›</a:t>
             </a:fld>
             <a:endParaRPr lang="zh-TW" altLang="en-US"/>
@@ -1940,7 +1960,8 @@
           <a:p>
             <a:fld id="{2144A2A8-0B7C-4AE0-AD7A-EFE43259BCEF}" type="datetimeFigureOut">
               <a:rPr lang="zh-TW" altLang="en-US" smtClean="0"/>
-              <a:t>2017/10/17</a:t>
+              <a:pPr/>
+              <a:t>2019/3/19</a:t>
             </a:fld>
             <a:endParaRPr lang="zh-TW" altLang="en-US"/>
           </a:p>
@@ -1982,6 +2003,7 @@
           <a:p>
             <a:fld id="{89BACEAB-B445-488B-A9D5-611D454279DB}" type="slidenum">
               <a:rPr lang="zh-TW" altLang="en-US" smtClean="0"/>
+              <a:pPr/>
               <a:t>‹#›</a:t>
             </a:fld>
             <a:endParaRPr lang="zh-TW" altLang="en-US"/>
@@ -2212,7 +2234,8 @@
           <a:p>
             <a:fld id="{2144A2A8-0B7C-4AE0-AD7A-EFE43259BCEF}" type="datetimeFigureOut">
               <a:rPr lang="zh-TW" altLang="en-US" smtClean="0"/>
-              <a:t>2017/10/17</a:t>
+              <a:pPr/>
+              <a:t>2019/3/19</a:t>
             </a:fld>
             <a:endParaRPr lang="zh-TW" altLang="en-US"/>
           </a:p>
@@ -2254,6 +2277,7 @@
           <a:p>
             <a:fld id="{89BACEAB-B445-488B-A9D5-611D454279DB}" type="slidenum">
               <a:rPr lang="zh-TW" altLang="en-US" smtClean="0"/>
+              <a:pPr/>
               <a:t>‹#›</a:t>
             </a:fld>
             <a:endParaRPr lang="zh-TW" altLang="en-US"/>
@@ -2464,7 +2488,8 @@
           <a:p>
             <a:fld id="{2144A2A8-0B7C-4AE0-AD7A-EFE43259BCEF}" type="datetimeFigureOut">
               <a:rPr lang="zh-TW" altLang="en-US" smtClean="0"/>
-              <a:t>2017/10/17</a:t>
+              <a:pPr/>
+              <a:t>2019/3/19</a:t>
             </a:fld>
             <a:endParaRPr lang="zh-TW" altLang="en-US"/>
           </a:p>
@@ -2506,6 +2531,7 @@
           <a:p>
             <a:fld id="{89BACEAB-B445-488B-A9D5-611D454279DB}" type="slidenum">
               <a:rPr lang="zh-TW" altLang="en-US" smtClean="0"/>
+              <a:pPr/>
               <a:t>‹#›</a:t>
             </a:fld>
             <a:endParaRPr lang="zh-TW" altLang="en-US"/>
@@ -2677,7 +2703,8 @@
           <a:p>
             <a:fld id="{2144A2A8-0B7C-4AE0-AD7A-EFE43259BCEF}" type="datetimeFigureOut">
               <a:rPr lang="zh-TW" altLang="en-US" smtClean="0"/>
-              <a:t>2017/10/17</a:t>
+              <a:pPr/>
+              <a:t>2019/3/19</a:t>
             </a:fld>
             <a:endParaRPr lang="zh-TW" altLang="en-US"/>
           </a:p>
@@ -2755,6 +2782,7 @@
           <a:p>
             <a:fld id="{89BACEAB-B445-488B-A9D5-611D454279DB}" type="slidenum">
               <a:rPr lang="zh-TW" altLang="en-US" smtClean="0"/>
+              <a:pPr/>
               <a:t>‹#›</a:t>
             </a:fld>
             <a:endParaRPr lang="zh-TW" altLang="en-US"/>
@@ -3049,7 +3077,7 @@
       </p:grpSpPr>
       <p:sp>
         <p:nvSpPr>
-          <p:cNvPr id="2" name="標題 1"/>
+          <p:cNvPr id="4" name="標題 3"/>
           <p:cNvSpPr>
             <a:spLocks noGrp="1"/>
           </p:cNvSpPr>
@@ -3063,80 +3091,69 @@
           <a:lstStyle/>
           <a:p>
             <a:r>
-              <a:rPr lang="zh-TW" altLang="en-US" b="1" dirty="0">
-                <a:latin typeface="微軟正黑體" pitchFamily="34" charset="-120"/>
-                <a:ea typeface="微軟正黑體" pitchFamily="34" charset="-120"/>
-              </a:rPr>
-              <a:t>呼求你憐憫</a:t>
-            </a:r>
-          </a:p>
-        </p:txBody>
-      </p:sp>
-      <p:sp>
-        <p:nvSpPr>
-          <p:cNvPr id="3" name="內容版面配置區 2"/>
-          <p:cNvSpPr>
-            <a:spLocks noGrp="1"/>
-          </p:cNvSpPr>
-          <p:nvPr>
-            <p:ph idx="1"/>
-          </p:nvPr>
-        </p:nvSpPr>
-        <p:spPr/>
-        <p:txBody>
-          <a:bodyPr>
-            <a:normAutofit/>
-          </a:bodyPr>
-          <a:lstStyle/>
-          <a:p>
-            <a:pPr algn="ctr">
-              <a:buNone/>
-            </a:pPr>
-            <a:r>
-              <a:rPr lang="zh-TW" altLang="en-US" sz="5400" b="1" dirty="0">
-                <a:latin typeface="微軟正黑體" pitchFamily="34" charset="-120"/>
-                <a:ea typeface="微軟正黑體" pitchFamily="34" charset="-120"/>
-              </a:rPr>
-              <a:t>你知道我的</a:t>
-            </a:r>
-            <a:r>
-              <a:rPr lang="zh-TW" altLang="en-US" sz="5400" b="1" dirty="0" smtClean="0">
-                <a:latin typeface="微軟正黑體" pitchFamily="34" charset="-120"/>
-                <a:ea typeface="微軟正黑體" pitchFamily="34" charset="-120"/>
-              </a:rPr>
-              <a:t>軟弱</a:t>
-            </a:r>
-            <a:endParaRPr lang="en-US" altLang="zh-TW" sz="5400" b="1" dirty="0">
+              <a:rPr lang="zh-CN" altLang="en-US" b="1" dirty="0" smtClean="0">
+                <a:solidFill>
+                  <a:srgbClr val="000066"/>
+                </a:solidFill>
+                <a:latin typeface="微軟正黑體" pitchFamily="34" charset="-120"/>
+                <a:ea typeface="微軟正黑體" pitchFamily="34" charset="-120"/>
+              </a:rPr>
+              <a:t>我們歡迎君王降臨</a:t>
+            </a:r>
+            <a:endParaRPr lang="zh-TW" altLang="en-US" b="1" dirty="0">
+              <a:solidFill>
+                <a:srgbClr val="000066"/>
+              </a:solidFill>
               <a:latin typeface="微軟正黑體" pitchFamily="34" charset="-120"/>
               <a:ea typeface="微軟正黑體" pitchFamily="34" charset="-120"/>
             </a:endParaRPr>
           </a:p>
+        </p:txBody>
+      </p:sp>
+      <p:sp>
+        <p:nvSpPr>
+          <p:cNvPr id="5" name="內容版面配置區 4"/>
+          <p:cNvSpPr>
+            <a:spLocks noGrp="1"/>
+          </p:cNvSpPr>
+          <p:nvPr>
+            <p:ph idx="1"/>
+          </p:nvPr>
+        </p:nvSpPr>
+        <p:spPr/>
+        <p:txBody>
+          <a:bodyPr>
+            <a:noAutofit/>
+          </a:bodyPr>
+          <a:lstStyle/>
           <a:p>
             <a:pPr algn="ctr">
               <a:buNone/>
             </a:pPr>
             <a:r>
+              <a:rPr lang="zh-TW" altLang="en-US" sz="5400" b="1" dirty="0">
+                <a:solidFill>
+                  <a:srgbClr val="000066"/>
+                </a:solidFill>
+                <a:latin typeface="微軟正黑體" pitchFamily="34" charset="-120"/>
+                <a:ea typeface="微軟正黑體" pitchFamily="34" charset="-120"/>
+              </a:rPr>
+              <a:t>宇宙的</a:t>
+            </a:r>
+            <a:r>
               <a:rPr lang="zh-TW" altLang="en-US" sz="5400" b="1" dirty="0" smtClean="0">
-                <a:latin typeface="微軟正黑體" pitchFamily="34" charset="-120"/>
-                <a:ea typeface="微軟正黑體" pitchFamily="34" charset="-120"/>
-              </a:rPr>
-              <a:t>你</a:t>
-            </a:r>
-            <a:r>
-              <a:rPr lang="zh-TW" altLang="en-US" sz="5400" b="1" dirty="0">
-                <a:latin typeface="微軟正黑體" pitchFamily="34" charset="-120"/>
-                <a:ea typeface="微軟正黑體" pitchFamily="34" charset="-120"/>
-              </a:rPr>
-              <a:t>用聖靈的大能來堅固</a:t>
-            </a:r>
-            <a:r>
-              <a:rPr lang="zh-TW" altLang="en-US" sz="5400" b="1" dirty="0" smtClean="0">
-                <a:latin typeface="微軟正黑體" pitchFamily="34" charset="-120"/>
-                <a:ea typeface="微軟正黑體" pitchFamily="34" charset="-120"/>
-              </a:rPr>
-              <a:t>我</a:t>
-            </a:r>
-            <a:endParaRPr lang="en-US" altLang="zh-TW" sz="5400" b="1" dirty="0">
+                <a:solidFill>
+                  <a:srgbClr val="000066"/>
+                </a:solidFill>
+                <a:latin typeface="微軟正黑體" pitchFamily="34" charset="-120"/>
+                <a:ea typeface="微軟正黑體" pitchFamily="34" charset="-120"/>
+              </a:rPr>
+              <a:t>中心  耶穌</a:t>
+            </a:r>
+            <a:endParaRPr lang="en-US" altLang="zh-TW" sz="5400" b="1" dirty="0" smtClean="0">
+              <a:solidFill>
+                <a:srgbClr val="000066"/>
+              </a:solidFill>
               <a:latin typeface="微軟正黑體" pitchFamily="34" charset="-120"/>
               <a:ea typeface="微軟正黑體" pitchFamily="34" charset="-120"/>
             </a:endParaRPr>
@@ -3147,26 +3164,38 @@
             </a:pPr>
             <a:r>
               <a:rPr lang="zh-TW" altLang="en-US" sz="5400" b="1" dirty="0" smtClean="0">
-                <a:latin typeface="微軟正黑體" pitchFamily="34" charset="-120"/>
-                <a:ea typeface="微軟正黑體" pitchFamily="34" charset="-120"/>
-              </a:rPr>
-              <a:t>你</a:t>
+                <a:solidFill>
+                  <a:srgbClr val="000066"/>
+                </a:solidFill>
+                <a:latin typeface="微軟正黑體" pitchFamily="34" charset="-120"/>
+                <a:ea typeface="微軟正黑體" pitchFamily="34" charset="-120"/>
+              </a:rPr>
+              <a:t>世界</a:t>
             </a:r>
             <a:r>
               <a:rPr lang="zh-TW" altLang="en-US" sz="5400" b="1" dirty="0">
-                <a:latin typeface="微軟正黑體" pitchFamily="34" charset="-120"/>
-                <a:ea typeface="微軟正黑體" pitchFamily="34" charset="-120"/>
-              </a:rPr>
-              <a:t>的恩惠和慈愛為我</a:t>
+                <a:solidFill>
+                  <a:srgbClr val="000066"/>
+                </a:solidFill>
+                <a:latin typeface="微軟正黑體" pitchFamily="34" charset="-120"/>
+                <a:ea typeface="微軟正黑體" pitchFamily="34" charset="-120"/>
+              </a:rPr>
+              <a:t>的</a:t>
             </a:r>
             <a:r>
               <a:rPr lang="zh-TW" altLang="en-US" sz="5400" b="1" dirty="0" smtClean="0">
-                <a:latin typeface="微軟正黑體" pitchFamily="34" charset="-120"/>
-                <a:ea typeface="微軟正黑體" pitchFamily="34" charset="-120"/>
-              </a:rPr>
-              <a:t>預備</a:t>
+                <a:solidFill>
+                  <a:srgbClr val="000066"/>
+                </a:solidFill>
+                <a:latin typeface="微軟正黑體" pitchFamily="34" charset="-120"/>
+                <a:ea typeface="微軟正黑體" pitchFamily="34" charset="-120"/>
+              </a:rPr>
+              <a:t>中心  耶穌</a:t>
             </a:r>
             <a:endParaRPr lang="en-US" altLang="zh-TW" sz="5400" b="1" dirty="0">
+              <a:solidFill>
+                <a:srgbClr val="000066"/>
+              </a:solidFill>
               <a:latin typeface="微軟正黑體" pitchFamily="34" charset="-120"/>
               <a:ea typeface="微軟正黑體" pitchFamily="34" charset="-120"/>
             </a:endParaRPr>
@@ -3177,17 +3206,87 @@
             </a:pPr>
             <a:r>
               <a:rPr lang="zh-TW" altLang="en-US" sz="5400" b="1" dirty="0" smtClean="0">
+                <a:solidFill>
+                  <a:srgbClr val="000066"/>
+                </a:solidFill>
+                <a:latin typeface="微軟正黑體" pitchFamily="34" charset="-120"/>
+                <a:ea typeface="微軟正黑體" pitchFamily="34" charset="-120"/>
+              </a:rPr>
+              <a:t>萬物</a:t>
+            </a:r>
+            <a:r>
+              <a:rPr lang="zh-TW" altLang="en-US" sz="5400" b="1" dirty="0">
+                <a:solidFill>
+                  <a:srgbClr val="000066"/>
+                </a:solidFill>
+                <a:latin typeface="微軟正黑體" pitchFamily="34" charset="-120"/>
+                <a:ea typeface="微軟正黑體" pitchFamily="34" charset="-120"/>
+              </a:rPr>
+              <a:t>都本於</a:t>
+            </a:r>
+            <a:r>
+              <a:rPr lang="zh-TW" altLang="en-US" sz="5400" b="1" dirty="0" smtClean="0">
+                <a:solidFill>
+                  <a:srgbClr val="000066"/>
+                </a:solidFill>
                 <a:latin typeface="微軟正黑體" pitchFamily="34" charset="-120"/>
                 <a:ea typeface="微軟正黑體" pitchFamily="34" charset="-120"/>
               </a:rPr>
               <a:t>你</a:t>
             </a:r>
+            <a:endParaRPr lang="en-US" altLang="zh-TW" sz="5400" b="1" dirty="0" smtClean="0">
+              <a:solidFill>
+                <a:srgbClr val="000066"/>
+              </a:solidFill>
+              <a:latin typeface="微軟正黑體" pitchFamily="34" charset="-120"/>
+              <a:ea typeface="微軟正黑體" pitchFamily="34" charset="-120"/>
+            </a:endParaRPr>
+          </a:p>
+          <a:p>
+            <a:pPr algn="ctr">
+              <a:buNone/>
+            </a:pPr>
+            <a:r>
+              <a:rPr lang="zh-TW" altLang="en-US" sz="5400" b="1" dirty="0" smtClean="0">
+                <a:solidFill>
+                  <a:srgbClr val="000066"/>
+                </a:solidFill>
+                <a:latin typeface="微軟正黑體" pitchFamily="34" charset="-120"/>
+                <a:ea typeface="微軟正黑體" pitchFamily="34" charset="-120"/>
+              </a:rPr>
+              <a:t>屬於你  歸於你</a:t>
+            </a:r>
+            <a:endParaRPr lang="en-US" altLang="zh-TW" sz="5400" b="1" dirty="0" smtClean="0">
+              <a:solidFill>
+                <a:srgbClr val="000066"/>
+              </a:solidFill>
+              <a:latin typeface="微軟正黑體" pitchFamily="34" charset="-120"/>
+              <a:ea typeface="微軟正黑體" pitchFamily="34" charset="-120"/>
+            </a:endParaRPr>
+          </a:p>
+          <a:p>
+            <a:pPr algn="ctr">
+              <a:buNone/>
+            </a:pPr>
+            <a:r>
+              <a:rPr lang="zh-TW" altLang="en-US" sz="5400" b="1" dirty="0" smtClean="0">
+                <a:solidFill>
+                  <a:srgbClr val="000066"/>
+                </a:solidFill>
+                <a:latin typeface="微軟正黑體" pitchFamily="34" charset="-120"/>
+                <a:ea typeface="微軟正黑體" pitchFamily="34" charset="-120"/>
+              </a:rPr>
+              <a:t>你</a:t>
+            </a:r>
             <a:r>
               <a:rPr lang="zh-TW" altLang="en-US" sz="5400" b="1" dirty="0">
-                <a:latin typeface="微軟正黑體" pitchFamily="34" charset="-120"/>
-                <a:ea typeface="微軟正黑體" pitchFamily="34" charset="-120"/>
-              </a:rPr>
-              <a:t>信實極其廣大</a:t>
+                <a:solidFill>
+                  <a:srgbClr val="000066"/>
+                </a:solidFill>
+                <a:latin typeface="微軟正黑體" pitchFamily="34" charset="-120"/>
+                <a:ea typeface="微軟正黑體" pitchFamily="34" charset="-120"/>
+              </a:rPr>
+              <a:t>是榮耀君王</a:t>
             </a:r>
           </a:p>
         </p:txBody>
@@ -3197,6 +3296,13 @@
   <p:clrMapOvr>
     <a:masterClrMapping/>
   </p:clrMapOvr>
+  <p:timing>
+    <p:tnLst>
+      <p:par>
+        <p:cTn id="1" dur="indefinite" restart="never" nodeType="tmRoot"/>
+      </p:par>
+    </p:tnLst>
+  </p:timing>
 </p:sld>
 </file>
 
@@ -3219,7 +3325,7 @@
       </p:grpSpPr>
       <p:sp>
         <p:nvSpPr>
-          <p:cNvPr id="2" name="標題 1"/>
+          <p:cNvPr id="4" name="標題 3"/>
           <p:cNvSpPr>
             <a:spLocks noGrp="1"/>
           </p:cNvSpPr>
@@ -3233,65 +3339,61 @@
           <a:lstStyle/>
           <a:p>
             <a:r>
-              <a:rPr lang="zh-TW" altLang="en-US" b="1" dirty="0">
-                <a:latin typeface="微軟正黑體" pitchFamily="34" charset="-120"/>
-                <a:ea typeface="微軟正黑體" pitchFamily="34" charset="-120"/>
-              </a:rPr>
-              <a:t>呼求你憐憫</a:t>
-            </a:r>
-          </a:p>
-        </p:txBody>
-      </p:sp>
-      <p:sp>
-        <p:nvSpPr>
-          <p:cNvPr id="3" name="內容版面配置區 2"/>
-          <p:cNvSpPr>
-            <a:spLocks noGrp="1"/>
-          </p:cNvSpPr>
-          <p:nvPr>
-            <p:ph idx="1"/>
-          </p:nvPr>
-        </p:nvSpPr>
-        <p:spPr/>
-        <p:txBody>
-          <a:bodyPr>
-            <a:normAutofit/>
-          </a:bodyPr>
-          <a:lstStyle/>
-          <a:p>
-            <a:pPr algn="ctr">
-              <a:buNone/>
-            </a:pPr>
-            <a:r>
-              <a:rPr lang="zh-TW" altLang="en-US" sz="5400" b="1" dirty="0">
-                <a:latin typeface="微軟正黑體" pitchFamily="34" charset="-120"/>
-                <a:ea typeface="微軟正黑體" pitchFamily="34" charset="-120"/>
-                <a:cs typeface="+mj-cs"/>
-              </a:rPr>
-              <a:t>你的憐憫不致斷絕 </a:t>
-            </a:r>
-            <a:endParaRPr lang="en-US" altLang="zh-TW" sz="5400" b="1" dirty="0">
+              <a:rPr lang="zh-CN" altLang="en-US" b="1" dirty="0" smtClean="0">
+                <a:solidFill>
+                  <a:srgbClr val="000066"/>
+                </a:solidFill>
+                <a:latin typeface="微軟正黑體" pitchFamily="34" charset="-120"/>
+                <a:ea typeface="微軟正黑體" pitchFamily="34" charset="-120"/>
+              </a:rPr>
+              <a:t>我們歡迎君王降臨</a:t>
+            </a:r>
+            <a:endParaRPr lang="zh-TW" altLang="en-US" b="1" dirty="0">
+              <a:solidFill>
+                <a:srgbClr val="000066"/>
+              </a:solidFill>
               <a:latin typeface="微軟正黑體" pitchFamily="34" charset="-120"/>
               <a:ea typeface="微軟正黑體" pitchFamily="34" charset="-120"/>
-              <a:cs typeface="+mj-cs"/>
             </a:endParaRPr>
           </a:p>
+        </p:txBody>
+      </p:sp>
+      <p:sp>
+        <p:nvSpPr>
+          <p:cNvPr id="5" name="內容版面配置區 4"/>
+          <p:cNvSpPr>
+            <a:spLocks noGrp="1"/>
+          </p:cNvSpPr>
+          <p:nvPr>
+            <p:ph idx="1"/>
+          </p:nvPr>
+        </p:nvSpPr>
+        <p:spPr/>
+        <p:txBody>
+          <a:bodyPr>
+            <a:noAutofit/>
+          </a:bodyPr>
+          <a:lstStyle/>
           <a:p>
             <a:pPr algn="ctr">
               <a:buNone/>
             </a:pPr>
             <a:r>
-              <a:rPr lang="zh-TW" altLang="en-US" sz="5400" b="1" dirty="0">
-                <a:latin typeface="微軟正黑體" pitchFamily="34" charset="-120"/>
-                <a:ea typeface="微軟正黑體" pitchFamily="34" charset="-120"/>
-                <a:cs typeface="+mj-cs"/>
-              </a:rPr>
-              <a:t>滿有恩典</a:t>
-            </a:r>
-            <a:endParaRPr lang="en-US" altLang="zh-TW" sz="5400" b="1" dirty="0">
+              <a:rPr lang="zh-TW" altLang="en-US" sz="5400" b="1" dirty="0" smtClean="0">
+                <a:solidFill>
+                  <a:srgbClr val="000066"/>
+                </a:solidFill>
+                <a:latin typeface="微軟正黑體" pitchFamily="34" charset="-120"/>
+                <a:ea typeface="微軟正黑體" pitchFamily="34" charset="-120"/>
+              </a:rPr>
+              <a:t>我們歡迎君王降臨</a:t>
+            </a:r>
+            <a:endParaRPr lang="en-US" altLang="zh-TW" sz="5400" b="1" dirty="0" smtClean="0">
+              <a:solidFill>
+                <a:srgbClr val="000066"/>
+              </a:solidFill>
               <a:latin typeface="微軟正黑體" pitchFamily="34" charset="-120"/>
               <a:ea typeface="微軟正黑體" pitchFamily="34" charset="-120"/>
-              <a:cs typeface="+mj-cs"/>
             </a:endParaRPr>
           </a:p>
           <a:p>
@@ -3299,13 +3401,66 @@
               <a:buNone/>
             </a:pPr>
             <a:r>
-              <a:rPr lang="zh-TW" altLang="en-US" sz="5400" b="1" dirty="0">
-                <a:latin typeface="微軟正黑體" pitchFamily="34" charset="-120"/>
-                <a:ea typeface="微軟正黑體" pitchFamily="34" charset="-120"/>
-                <a:cs typeface="+mj-cs"/>
-              </a:rPr>
-              <a:t>我尋求你仰望你的榮面</a:t>
-            </a:r>
+              <a:rPr lang="zh-TW" altLang="en-US" sz="5400" b="1" dirty="0" smtClean="0">
+                <a:solidFill>
+                  <a:srgbClr val="000066"/>
+                </a:solidFill>
+                <a:latin typeface="微軟正黑體" pitchFamily="34" charset="-120"/>
+                <a:ea typeface="微軟正黑體" pitchFamily="34" charset="-120"/>
+              </a:rPr>
+              <a:t>渴望看見你的彰顯</a:t>
+            </a:r>
+            <a:endParaRPr lang="en-US" altLang="zh-TW" sz="5400" b="1" dirty="0" smtClean="0">
+              <a:solidFill>
+                <a:srgbClr val="000066"/>
+              </a:solidFill>
+              <a:latin typeface="微軟正黑體" pitchFamily="34" charset="-120"/>
+              <a:ea typeface="微軟正黑體" pitchFamily="34" charset="-120"/>
+            </a:endParaRPr>
+          </a:p>
+          <a:p>
+            <a:pPr algn="ctr">
+              <a:buNone/>
+            </a:pPr>
+            <a:r>
+              <a:rPr lang="zh-TW" altLang="en-US" sz="5400" b="1" dirty="0" smtClean="0">
+                <a:solidFill>
+                  <a:srgbClr val="000066"/>
+                </a:solidFill>
+                <a:latin typeface="微軟正黑體" pitchFamily="34" charset="-120"/>
+                <a:ea typeface="微軟正黑體" pitchFamily="34" charset="-120"/>
+              </a:rPr>
+              <a:t>呼求你來翻轉震動這土地</a:t>
+            </a:r>
+            <a:endParaRPr lang="en-US" altLang="zh-TW" sz="5400" b="1" dirty="0" smtClean="0">
+              <a:solidFill>
+                <a:srgbClr val="000066"/>
+              </a:solidFill>
+              <a:latin typeface="微軟正黑體" pitchFamily="34" charset="-120"/>
+              <a:ea typeface="微軟正黑體" pitchFamily="34" charset="-120"/>
+            </a:endParaRPr>
+          </a:p>
+          <a:p>
+            <a:pPr algn="ctr">
+              <a:buNone/>
+            </a:pPr>
+            <a:r>
+              <a:rPr lang="zh-TW" altLang="en-US" sz="5400" b="1" dirty="0" smtClean="0">
+                <a:solidFill>
+                  <a:srgbClr val="000066"/>
+                </a:solidFill>
+                <a:latin typeface="微軟正黑體" pitchFamily="34" charset="-120"/>
+                <a:ea typeface="微軟正黑體" pitchFamily="34" charset="-120"/>
+              </a:rPr>
+              <a:t>復興我們聖潔的熱情</a:t>
+            </a:r>
+            <a:endParaRPr lang="zh-TW" altLang="en-US" sz="5400" b="1" dirty="0">
+              <a:solidFill>
+                <a:srgbClr val="000066"/>
+              </a:solidFill>
+              <a:latin typeface="微軟正黑體" pitchFamily="34" charset="-120"/>
+              <a:ea typeface="微軟正黑體" pitchFamily="34" charset="-120"/>
+            </a:endParaRPr>
           </a:p>
         </p:txBody>
       </p:sp>
@@ -3314,6 +3469,13 @@
   <p:clrMapOvr>
     <a:masterClrMapping/>
   </p:clrMapOvr>
+  <p:timing>
+    <p:tnLst>
+      <p:par>
+        <p:cTn id="1" dur="indefinite" restart="never" nodeType="tmRoot"/>
+      </p:par>
+    </p:tnLst>
+  </p:timing>
 </p:sld>
 </file>
 
@@ -3336,7 +3498,7 @@
       </p:grpSpPr>
       <p:sp>
         <p:nvSpPr>
-          <p:cNvPr id="2" name="標題 1"/>
+          <p:cNvPr id="4" name="標題 3"/>
           <p:cNvSpPr>
             <a:spLocks noGrp="1"/>
           </p:cNvSpPr>
@@ -3350,142 +3512,61 @@
           <a:lstStyle/>
           <a:p>
             <a:r>
-              <a:rPr lang="zh-TW" altLang="en-US" b="1" dirty="0">
-                <a:latin typeface="微軟正黑體" pitchFamily="34" charset="-120"/>
-                <a:ea typeface="微軟正黑體" pitchFamily="34" charset="-120"/>
-              </a:rPr>
-              <a:t>呼求你憐憫</a:t>
-            </a:r>
-          </a:p>
-        </p:txBody>
-      </p:sp>
-      <p:sp>
-        <p:nvSpPr>
-          <p:cNvPr id="3" name="內容版面配置區 2"/>
-          <p:cNvSpPr>
-            <a:spLocks noGrp="1"/>
-          </p:cNvSpPr>
-          <p:nvPr>
-            <p:ph idx="1"/>
-          </p:nvPr>
-        </p:nvSpPr>
-        <p:spPr>
-          <a:xfrm>
-            <a:off x="0" y="1600200"/>
-            <a:ext cx="9144000" cy="4525963"/>
-          </a:xfrm>
-        </p:spPr>
-        <p:txBody>
-          <a:bodyPr>
-            <a:normAutofit/>
-          </a:bodyPr>
-          <a:lstStyle/>
-          <a:p>
-            <a:pPr algn="ctr">
-              <a:buNone/>
-            </a:pPr>
-            <a:r>
-              <a:rPr lang="zh-TW" altLang="en-US" sz="5400" b="1" dirty="0">
-                <a:latin typeface="微軟正黑體" pitchFamily="34" charset="-120"/>
-                <a:ea typeface="微軟正黑體" pitchFamily="34" charset="-120"/>
-                <a:cs typeface="+mj-cs"/>
-              </a:rPr>
-              <a:t>我呼求你</a:t>
-            </a:r>
-            <a:r>
-              <a:rPr lang="zh-TW" altLang="en-US" sz="5400" b="1" dirty="0" smtClean="0">
-                <a:latin typeface="微軟正黑體" pitchFamily="34" charset="-120"/>
-                <a:ea typeface="微軟正黑體" pitchFamily="34" charset="-120"/>
-                <a:cs typeface="+mj-cs"/>
-              </a:rPr>
-              <a:t>憐憫</a:t>
-            </a:r>
-            <a:r>
-              <a:rPr lang="en-US" altLang="zh-TW" sz="5400" b="1" dirty="0" smtClean="0">
-                <a:latin typeface="微軟正黑體" pitchFamily="34" charset="-120"/>
-                <a:ea typeface="微軟正黑體" pitchFamily="34" charset="-120"/>
-                <a:cs typeface="+mj-cs"/>
-              </a:rPr>
-              <a:t>   </a:t>
-            </a:r>
-            <a:r>
-              <a:rPr lang="zh-TW" altLang="en-US" sz="5400" b="1" dirty="0" smtClean="0">
-                <a:latin typeface="微軟正黑體" pitchFamily="34" charset="-120"/>
-                <a:ea typeface="微軟正黑體" pitchFamily="34" charset="-120"/>
-                <a:cs typeface="+mj-cs"/>
-              </a:rPr>
-              <a:t>我</a:t>
-            </a:r>
-            <a:r>
-              <a:rPr lang="zh-TW" altLang="en-US" sz="5400" b="1" dirty="0">
-                <a:latin typeface="微軟正黑體" pitchFamily="34" charset="-120"/>
-                <a:ea typeface="微軟正黑體" pitchFamily="34" charset="-120"/>
-                <a:cs typeface="+mj-cs"/>
-              </a:rPr>
-              <a:t>呼求你恩典</a:t>
-            </a:r>
-            <a:endParaRPr lang="en-US" altLang="zh-TW" sz="5400" b="1" dirty="0">
+              <a:rPr lang="zh-CN" altLang="en-US" b="1" dirty="0" smtClean="0">
+                <a:solidFill>
+                  <a:srgbClr val="000066"/>
+                </a:solidFill>
+                <a:latin typeface="微軟正黑體" pitchFamily="34" charset="-120"/>
+                <a:ea typeface="微軟正黑體" pitchFamily="34" charset="-120"/>
+              </a:rPr>
+              <a:t>我們歡迎君王降臨</a:t>
+            </a:r>
+            <a:endParaRPr lang="zh-TW" altLang="en-US" b="1" dirty="0">
+              <a:solidFill>
+                <a:srgbClr val="000066"/>
+              </a:solidFill>
               <a:latin typeface="微軟正黑體" pitchFamily="34" charset="-120"/>
               <a:ea typeface="微軟正黑體" pitchFamily="34" charset="-120"/>
-              <a:cs typeface="+mj-cs"/>
             </a:endParaRPr>
           </a:p>
+        </p:txBody>
+      </p:sp>
+      <p:sp>
+        <p:nvSpPr>
+          <p:cNvPr id="5" name="內容版面配置區 4"/>
+          <p:cNvSpPr>
+            <a:spLocks noGrp="1"/>
+          </p:cNvSpPr>
+          <p:nvPr>
+            <p:ph idx="1"/>
+          </p:nvPr>
+        </p:nvSpPr>
+        <p:spPr/>
+        <p:txBody>
+          <a:bodyPr>
+            <a:noAutofit/>
+          </a:bodyPr>
+          <a:lstStyle/>
           <a:p>
             <a:pPr algn="ctr">
               <a:buNone/>
             </a:pPr>
             <a:r>
-              <a:rPr lang="zh-TW" altLang="en-US" sz="5400" b="1" dirty="0">
-                <a:latin typeface="微軟正黑體" pitchFamily="34" charset="-120"/>
-                <a:ea typeface="微軟正黑體" pitchFamily="34" charset="-120"/>
-                <a:cs typeface="+mj-cs"/>
-              </a:rPr>
-              <a:t>我抓住你</a:t>
-            </a:r>
-            <a:r>
               <a:rPr lang="zh-TW" altLang="en-US" sz="5400" b="1" dirty="0" smtClean="0">
-                <a:latin typeface="微軟正黑體" pitchFamily="34" charset="-120"/>
-                <a:ea typeface="微軟正黑體" pitchFamily="34" charset="-120"/>
-                <a:cs typeface="+mj-cs"/>
-              </a:rPr>
-              <a:t>應許</a:t>
-            </a:r>
-            <a:r>
-              <a:rPr lang="en-US" altLang="zh-TW" sz="5400" b="1" dirty="0" smtClean="0">
-                <a:latin typeface="微軟正黑體" pitchFamily="34" charset="-120"/>
-                <a:ea typeface="微軟正黑體" pitchFamily="34" charset="-120"/>
-                <a:cs typeface="+mj-cs"/>
-              </a:rPr>
-              <a:t>   </a:t>
-            </a:r>
-            <a:r>
-              <a:rPr lang="zh-TW" altLang="en-US" sz="5400" b="1" dirty="0" smtClean="0">
-                <a:latin typeface="微軟正黑體" pitchFamily="34" charset="-120"/>
-                <a:ea typeface="微軟正黑體" pitchFamily="34" charset="-120"/>
-                <a:cs typeface="+mj-cs"/>
-              </a:rPr>
-              <a:t>堅定</a:t>
-            </a:r>
-            <a:r>
-              <a:rPr lang="zh-TW" altLang="en-US" sz="5400" b="1" dirty="0">
-                <a:latin typeface="微軟正黑體" pitchFamily="34" charset="-120"/>
-                <a:ea typeface="微軟正黑體" pitchFamily="34" charset="-120"/>
-                <a:cs typeface="+mj-cs"/>
-              </a:rPr>
-              <a:t>倚靠</a:t>
-            </a:r>
-            <a:r>
-              <a:rPr lang="zh-TW" altLang="en-US" sz="5400" b="1" dirty="0" smtClean="0">
-                <a:latin typeface="微軟正黑體" pitchFamily="34" charset="-120"/>
-                <a:ea typeface="微軟正黑體" pitchFamily="34" charset="-120"/>
-                <a:cs typeface="+mj-cs"/>
-              </a:rPr>
-              <a:t>你</a:t>
+                <a:solidFill>
+                  <a:srgbClr val="000066"/>
+                </a:solidFill>
+                <a:latin typeface="微軟正黑體" pitchFamily="34" charset="-120"/>
+                <a:ea typeface="微軟正黑體" pitchFamily="34" charset="-120"/>
+              </a:rPr>
+              <a:t>我們歡迎君王降臨</a:t>
             </a:r>
             <a:endParaRPr lang="en-US" altLang="zh-TW" sz="5400" b="1" dirty="0" smtClean="0">
+              <a:solidFill>
+                <a:srgbClr val="000066"/>
+              </a:solidFill>
               <a:latin typeface="微軟正黑體" pitchFamily="34" charset="-120"/>
               <a:ea typeface="微軟正黑體" pitchFamily="34" charset="-120"/>
-              <a:cs typeface="+mj-cs"/>
             </a:endParaRPr>
           </a:p>
           <a:p>
@@ -3493,26 +3574,59 @@
               <a:buNone/>
             </a:pPr>
             <a:r>
-              <a:rPr lang="zh-TW" altLang="en-US" sz="5400" b="1" dirty="0">
-                <a:latin typeface="微軟正黑體" pitchFamily="34" charset="-120"/>
-                <a:ea typeface="微軟正黑體" pitchFamily="34" charset="-120"/>
-                <a:cs typeface="+mj-cs"/>
-              </a:rPr>
-              <a:t>憐憫原是向審判誇</a:t>
-            </a:r>
-            <a:r>
               <a:rPr lang="zh-TW" altLang="en-US" sz="5400" b="1" dirty="0" smtClean="0">
-                <a:latin typeface="微軟正黑體" pitchFamily="34" charset="-120"/>
-                <a:ea typeface="微軟正黑體" pitchFamily="34" charset="-120"/>
-                <a:cs typeface="+mj-cs"/>
-              </a:rPr>
-              <a:t>勝</a:t>
-            </a:r>
-            <a:endParaRPr lang="zh-TW" altLang="en-US" sz="5400" b="1" dirty="0">
+                <a:solidFill>
+                  <a:srgbClr val="000066"/>
+                </a:solidFill>
+                <a:latin typeface="微軟正黑體" pitchFamily="34" charset="-120"/>
+                <a:ea typeface="微軟正黑體" pitchFamily="34" charset="-120"/>
+              </a:rPr>
+              <a:t>同心高舉你聖潔的名</a:t>
+            </a:r>
+            <a:endParaRPr lang="en-US" altLang="zh-TW" sz="5400" b="1" dirty="0" smtClean="0">
+              <a:solidFill>
+                <a:srgbClr val="000066"/>
+              </a:solidFill>
               <a:latin typeface="微軟正黑體" pitchFamily="34" charset="-120"/>
               <a:ea typeface="微軟正黑體" pitchFamily="34" charset="-120"/>
-              <a:cs typeface="+mj-cs"/>
             </a:endParaRPr>
+          </a:p>
+          <a:p>
+            <a:pPr algn="ctr">
+              <a:buNone/>
+            </a:pPr>
+            <a:r>
+              <a:rPr lang="zh-TW" altLang="en-US" sz="5400" b="1" dirty="0" smtClean="0">
+                <a:solidFill>
+                  <a:srgbClr val="000066"/>
+                </a:solidFill>
+                <a:latin typeface="微軟正黑體" pitchFamily="34" charset="-120"/>
+                <a:ea typeface="微軟正黑體" pitchFamily="34" charset="-120"/>
+              </a:rPr>
+              <a:t>呼求天窗打開  春雨不停息</a:t>
+            </a:r>
+            <a:endParaRPr lang="en-US" altLang="zh-TW" sz="5400" b="1" dirty="0" smtClean="0">
+              <a:solidFill>
+                <a:srgbClr val="000066"/>
+              </a:solidFill>
+              <a:latin typeface="微軟正黑體" pitchFamily="34" charset="-120"/>
+              <a:ea typeface="微軟正黑體" pitchFamily="34" charset="-120"/>
+            </a:endParaRPr>
+          </a:p>
+          <a:p>
+            <a:pPr algn="ctr">
+              <a:buNone/>
+            </a:pPr>
+            <a:r>
+              <a:rPr lang="zh-TW" altLang="en-US" sz="5400" b="1" dirty="0" smtClean="0">
+                <a:solidFill>
+                  <a:srgbClr val="000066"/>
+                </a:solidFill>
+                <a:latin typeface="微軟正黑體" pitchFamily="34" charset="-120"/>
+                <a:ea typeface="微軟正黑體" pitchFamily="34" charset="-120"/>
+              </a:rPr>
+              <a:t>我們呼喊歡迎君王降臨</a:t>
+            </a:r>
           </a:p>
         </p:txBody>
       </p:sp>
@@ -3521,6 +3635,13 @@
   <p:clrMapOvr>
     <a:masterClrMapping/>
   </p:clrMapOvr>
+  <p:timing>
+    <p:tnLst>
+      <p:par>
+        <p:cTn id="1" dur="indefinite" restart="never" nodeType="tmRoot"/>
+      </p:par>
+    </p:tnLst>
+  </p:timing>
 </p:sld>
 </file>
 
@@ -3543,6 +3664,493 @@
       </p:grpSpPr>
       <p:sp>
         <p:nvSpPr>
+          <p:cNvPr id="4" name="標題 3"/>
+          <p:cNvSpPr>
+            <a:spLocks noGrp="1"/>
+          </p:cNvSpPr>
+          <p:nvPr>
+            <p:ph type="title"/>
+          </p:nvPr>
+        </p:nvSpPr>
+        <p:spPr/>
+        <p:txBody>
+          <a:bodyPr/>
+          <a:lstStyle/>
+          <a:p>
+            <a:r>
+              <a:rPr lang="zh-CN" altLang="en-US" b="1" dirty="0" smtClean="0">
+                <a:solidFill>
+                  <a:srgbClr val="000066"/>
+                </a:solidFill>
+                <a:latin typeface="微軟正黑體" pitchFamily="34" charset="-120"/>
+                <a:ea typeface="微軟正黑體" pitchFamily="34" charset="-120"/>
+              </a:rPr>
+              <a:t>我們歡迎君王降臨</a:t>
+            </a:r>
+            <a:endParaRPr lang="zh-TW" altLang="en-US" b="1" dirty="0">
+              <a:solidFill>
+                <a:srgbClr val="000066"/>
+              </a:solidFill>
+              <a:latin typeface="微軟正黑體" pitchFamily="34" charset="-120"/>
+              <a:ea typeface="微軟正黑體" pitchFamily="34" charset="-120"/>
+            </a:endParaRPr>
+          </a:p>
+        </p:txBody>
+      </p:sp>
+      <p:sp>
+        <p:nvSpPr>
+          <p:cNvPr id="5" name="內容版面配置區 4"/>
+          <p:cNvSpPr>
+            <a:spLocks noGrp="1"/>
+          </p:cNvSpPr>
+          <p:nvPr>
+            <p:ph idx="1"/>
+          </p:nvPr>
+        </p:nvSpPr>
+        <p:spPr/>
+        <p:txBody>
+          <a:bodyPr>
+            <a:noAutofit/>
+          </a:bodyPr>
+          <a:lstStyle/>
+          <a:p>
+            <a:pPr algn="ctr">
+              <a:buNone/>
+            </a:pPr>
+            <a:r>
+              <a:rPr lang="zh-TW" altLang="en-US" sz="5400" b="1" dirty="0" smtClean="0">
+                <a:solidFill>
+                  <a:srgbClr val="000066"/>
+                </a:solidFill>
+                <a:latin typeface="微軟正黑體" pitchFamily="34" charset="-120"/>
+                <a:ea typeface="微軟正黑體" pitchFamily="34" charset="-120"/>
+              </a:rPr>
+              <a:t>大大張口  大大充滿</a:t>
+            </a:r>
+            <a:endParaRPr lang="en-US" altLang="zh-TW" sz="5400" b="1" dirty="0" smtClean="0">
+              <a:solidFill>
+                <a:srgbClr val="000066"/>
+              </a:solidFill>
+              <a:latin typeface="微軟正黑體" pitchFamily="34" charset="-120"/>
+              <a:ea typeface="微軟正黑體" pitchFamily="34" charset="-120"/>
+            </a:endParaRPr>
+          </a:p>
+          <a:p>
+            <a:pPr algn="ctr">
+              <a:buNone/>
+            </a:pPr>
+            <a:r>
+              <a:rPr lang="zh-TW" altLang="en-US" sz="5400" b="1" dirty="0" smtClean="0">
+                <a:solidFill>
+                  <a:srgbClr val="000066"/>
+                </a:solidFill>
+                <a:latin typeface="微軟正黑體" pitchFamily="34" charset="-120"/>
+                <a:ea typeface="微軟正黑體" pitchFamily="34" charset="-120"/>
+              </a:rPr>
+              <a:t>恩膏如雨  澆灌這地</a:t>
+            </a:r>
+            <a:endParaRPr lang="en-US" altLang="zh-TW" sz="5400" b="1" dirty="0" smtClean="0">
+              <a:solidFill>
+                <a:srgbClr val="000066"/>
+              </a:solidFill>
+              <a:latin typeface="微軟正黑體" pitchFamily="34" charset="-120"/>
+              <a:ea typeface="微軟正黑體" pitchFamily="34" charset="-120"/>
+            </a:endParaRPr>
+          </a:p>
+          <a:p>
+            <a:pPr algn="ctr">
+              <a:buNone/>
+            </a:pPr>
+            <a:r>
+              <a:rPr lang="zh-TW" altLang="en-US" sz="5400" b="1" dirty="0" smtClean="0">
+                <a:solidFill>
+                  <a:srgbClr val="000066"/>
+                </a:solidFill>
+                <a:latin typeface="微軟正黑體" pitchFamily="34" charset="-120"/>
+                <a:ea typeface="微軟正黑體" pitchFamily="34" charset="-120"/>
+              </a:rPr>
+              <a:t>眼未看見  耳未聽見</a:t>
+            </a:r>
+            <a:endParaRPr lang="en-US" altLang="zh-TW" sz="5400" b="1" dirty="0" smtClean="0">
+              <a:solidFill>
+                <a:srgbClr val="000066"/>
+              </a:solidFill>
+              <a:latin typeface="微軟正黑體" pitchFamily="34" charset="-120"/>
+              <a:ea typeface="微軟正黑體" pitchFamily="34" charset="-120"/>
+            </a:endParaRPr>
+          </a:p>
+          <a:p>
+            <a:pPr algn="ctr">
+              <a:buNone/>
+            </a:pPr>
+            <a:r>
+              <a:rPr lang="zh-TW" altLang="en-US" sz="5400" b="1" dirty="0" smtClean="0">
+                <a:solidFill>
+                  <a:srgbClr val="000066"/>
+                </a:solidFill>
+                <a:latin typeface="微軟正黑體" pitchFamily="34" charset="-120"/>
+                <a:ea typeface="微軟正黑體" pitchFamily="34" charset="-120"/>
+              </a:rPr>
+              <a:t>渴慕更多看見你的榮面</a:t>
+            </a:r>
+          </a:p>
+        </p:txBody>
+      </p:sp>
+    </p:spTree>
+  </p:cSld>
+  <p:clrMapOvr>
+    <a:masterClrMapping/>
+  </p:clrMapOvr>
+  <p:timing>
+    <p:tnLst>
+      <p:par>
+        <p:cTn id="1" dur="indefinite" restart="never" nodeType="tmRoot"/>
+      </p:par>
+    </p:tnLst>
+  </p:timing>
+</p:sld>
+</file>
+
+<file path=ppt/slides/slide5.xml><?xml version="1.0" encoding="utf-8"?>
+<p:sld xmlns:a="http://schemas.openxmlformats.org/drawingml/2006/main" xmlns:r="http://schemas.openxmlformats.org/officeDocument/2006/relationships" xmlns:p="http://schemas.openxmlformats.org/presentationml/2006/main">
+  <p:cSld>
+    <p:spTree>
+      <p:nvGrpSpPr>
+        <p:cNvPr id="1" name=""/>
+        <p:cNvGrpSpPr/>
+        <p:nvPr/>
+      </p:nvGrpSpPr>
+      <p:grpSpPr>
+        <a:xfrm>
+          <a:off x="0" y="0"/>
+          <a:ext cx="0" cy="0"/>
+          <a:chOff x="0" y="0"/>
+          <a:chExt cx="0" cy="0"/>
+        </a:xfrm>
+      </p:grpSpPr>
+      <p:sp>
+        <p:nvSpPr>
+          <p:cNvPr id="2" name="標題 1"/>
+          <p:cNvSpPr>
+            <a:spLocks noGrp="1"/>
+          </p:cNvSpPr>
+          <p:nvPr>
+            <p:ph type="title"/>
+          </p:nvPr>
+        </p:nvSpPr>
+        <p:spPr/>
+        <p:txBody>
+          <a:bodyPr/>
+          <a:lstStyle/>
+          <a:p>
+            <a:r>
+              <a:rPr lang="zh-TW" altLang="en-US" b="1" dirty="0">
+                <a:latin typeface="微軟正黑體" pitchFamily="34" charset="-120"/>
+                <a:ea typeface="微軟正黑體" pitchFamily="34" charset="-120"/>
+              </a:rPr>
+              <a:t>呼求你憐憫</a:t>
+            </a:r>
+          </a:p>
+        </p:txBody>
+      </p:sp>
+      <p:sp>
+        <p:nvSpPr>
+          <p:cNvPr id="3" name="內容版面配置區 2"/>
+          <p:cNvSpPr>
+            <a:spLocks noGrp="1"/>
+          </p:cNvSpPr>
+          <p:nvPr>
+            <p:ph idx="1"/>
+          </p:nvPr>
+        </p:nvSpPr>
+        <p:spPr/>
+        <p:txBody>
+          <a:bodyPr>
+            <a:normAutofit/>
+          </a:bodyPr>
+          <a:lstStyle/>
+          <a:p>
+            <a:pPr algn="ctr">
+              <a:buNone/>
+            </a:pPr>
+            <a:r>
+              <a:rPr lang="zh-TW" altLang="en-US" sz="5400" b="1" dirty="0" smtClean="0">
+                <a:latin typeface="微軟正黑體" pitchFamily="34" charset="-120"/>
+                <a:ea typeface="微軟正黑體" pitchFamily="34" charset="-120"/>
+              </a:rPr>
+              <a:t>你</a:t>
+            </a:r>
+            <a:r>
+              <a:rPr lang="zh-TW" altLang="en-US" sz="5400" b="1" dirty="0">
+                <a:latin typeface="微軟正黑體" pitchFamily="34" charset="-120"/>
+                <a:ea typeface="微軟正黑體" pitchFamily="34" charset="-120"/>
+              </a:rPr>
+              <a:t>知道我的</a:t>
+            </a:r>
+            <a:r>
+              <a:rPr lang="zh-TW" altLang="en-US" sz="5400" b="1" dirty="0" smtClean="0">
+                <a:latin typeface="微軟正黑體" pitchFamily="34" charset="-120"/>
+                <a:ea typeface="微軟正黑體" pitchFamily="34" charset="-120"/>
+              </a:rPr>
+              <a:t>軟弱</a:t>
+            </a:r>
+            <a:endParaRPr lang="en-US" altLang="zh-TW" sz="5400" b="1" dirty="0">
+              <a:latin typeface="微軟正黑體" pitchFamily="34" charset="-120"/>
+              <a:ea typeface="微軟正黑體" pitchFamily="34" charset="-120"/>
+            </a:endParaRPr>
+          </a:p>
+          <a:p>
+            <a:pPr algn="ctr">
+              <a:buNone/>
+            </a:pPr>
+            <a:r>
+              <a:rPr lang="zh-TW" altLang="en-US" sz="5400" b="1" dirty="0" smtClean="0">
+                <a:latin typeface="微軟正黑體" pitchFamily="34" charset="-120"/>
+                <a:ea typeface="微軟正黑體" pitchFamily="34" charset="-120"/>
+              </a:rPr>
+              <a:t>你</a:t>
+            </a:r>
+            <a:r>
+              <a:rPr lang="zh-TW" altLang="en-US" sz="5400" b="1" dirty="0">
+                <a:latin typeface="微軟正黑體" pitchFamily="34" charset="-120"/>
+                <a:ea typeface="微軟正黑體" pitchFamily="34" charset="-120"/>
+              </a:rPr>
+              <a:t>用聖靈的大能來堅固</a:t>
+            </a:r>
+            <a:r>
+              <a:rPr lang="zh-TW" altLang="en-US" sz="5400" b="1" dirty="0" smtClean="0">
+                <a:latin typeface="微軟正黑體" pitchFamily="34" charset="-120"/>
+                <a:ea typeface="微軟正黑體" pitchFamily="34" charset="-120"/>
+              </a:rPr>
+              <a:t>我</a:t>
+            </a:r>
+            <a:endParaRPr lang="en-US" altLang="zh-TW" sz="5400" b="1" dirty="0">
+              <a:latin typeface="微軟正黑體" pitchFamily="34" charset="-120"/>
+              <a:ea typeface="微軟正黑體" pitchFamily="34" charset="-120"/>
+            </a:endParaRPr>
+          </a:p>
+          <a:p>
+            <a:pPr algn="ctr">
+              <a:buNone/>
+            </a:pPr>
+            <a:r>
+              <a:rPr lang="zh-TW" altLang="en-US" sz="5400" b="1" dirty="0" smtClean="0">
+                <a:latin typeface="微軟正黑體" pitchFamily="34" charset="-120"/>
+                <a:ea typeface="微軟正黑體" pitchFamily="34" charset="-120"/>
+              </a:rPr>
+              <a:t>你</a:t>
+            </a:r>
+            <a:r>
+              <a:rPr lang="zh-TW" altLang="en-US" sz="5400" b="1" dirty="0">
+                <a:latin typeface="微軟正黑體" pitchFamily="34" charset="-120"/>
+                <a:ea typeface="微軟正黑體" pitchFamily="34" charset="-120"/>
+              </a:rPr>
+              <a:t>的恩惠和慈愛為我</a:t>
+            </a:r>
+            <a:r>
+              <a:rPr lang="zh-TW" altLang="en-US" sz="5400" b="1" dirty="0" smtClean="0">
+                <a:latin typeface="微軟正黑體" pitchFamily="34" charset="-120"/>
+                <a:ea typeface="微軟正黑體" pitchFamily="34" charset="-120"/>
+              </a:rPr>
+              <a:t>預備</a:t>
+            </a:r>
+            <a:endParaRPr lang="en-US" altLang="zh-TW" sz="5400" b="1" dirty="0">
+              <a:latin typeface="微軟正黑體" pitchFamily="34" charset="-120"/>
+              <a:ea typeface="微軟正黑體" pitchFamily="34" charset="-120"/>
+            </a:endParaRPr>
+          </a:p>
+        </p:txBody>
+      </p:sp>
+    </p:spTree>
+  </p:cSld>
+  <p:clrMapOvr>
+    <a:masterClrMapping/>
+  </p:clrMapOvr>
+  <p:timing>
+    <p:tnLst>
+      <p:par>
+        <p:cTn id="1" dur="indefinite" restart="never" nodeType="tmRoot"/>
+      </p:par>
+    </p:tnLst>
+  </p:timing>
+</p:sld>
+</file>
+
+<file path=ppt/slides/slide6.xml><?xml version="1.0" encoding="utf-8"?>
+<p:sld xmlns:a="http://schemas.openxmlformats.org/drawingml/2006/main" xmlns:r="http://schemas.openxmlformats.org/officeDocument/2006/relationships" xmlns:p="http://schemas.openxmlformats.org/presentationml/2006/main">
+  <p:cSld>
+    <p:spTree>
+      <p:nvGrpSpPr>
+        <p:cNvPr id="1" name=""/>
+        <p:cNvGrpSpPr/>
+        <p:nvPr/>
+      </p:nvGrpSpPr>
+      <p:grpSpPr>
+        <a:xfrm>
+          <a:off x="0" y="0"/>
+          <a:ext cx="0" cy="0"/>
+          <a:chOff x="0" y="0"/>
+          <a:chExt cx="0" cy="0"/>
+        </a:xfrm>
+      </p:grpSpPr>
+      <p:sp>
+        <p:nvSpPr>
+          <p:cNvPr id="2" name="標題 1"/>
+          <p:cNvSpPr>
+            <a:spLocks noGrp="1"/>
+          </p:cNvSpPr>
+          <p:nvPr>
+            <p:ph type="title"/>
+          </p:nvPr>
+        </p:nvSpPr>
+        <p:spPr/>
+        <p:txBody>
+          <a:bodyPr/>
+          <a:lstStyle/>
+          <a:p>
+            <a:r>
+              <a:rPr lang="zh-TW" altLang="en-US" b="1" dirty="0">
+                <a:latin typeface="微軟正黑體" pitchFamily="34" charset="-120"/>
+                <a:ea typeface="微軟正黑體" pitchFamily="34" charset="-120"/>
+              </a:rPr>
+              <a:t>呼求你憐憫</a:t>
+            </a:r>
+          </a:p>
+        </p:txBody>
+      </p:sp>
+      <p:sp>
+        <p:nvSpPr>
+          <p:cNvPr id="3" name="內容版面配置區 2"/>
+          <p:cNvSpPr>
+            <a:spLocks noGrp="1"/>
+          </p:cNvSpPr>
+          <p:nvPr>
+            <p:ph idx="1"/>
+          </p:nvPr>
+        </p:nvSpPr>
+        <p:spPr/>
+        <p:txBody>
+          <a:bodyPr>
+            <a:normAutofit/>
+          </a:bodyPr>
+          <a:lstStyle/>
+          <a:p>
+            <a:pPr algn="ctr">
+              <a:buNone/>
+            </a:pPr>
+            <a:r>
+              <a:rPr lang="zh-TW" altLang="en-US" sz="5400" b="1" dirty="0" smtClean="0">
+                <a:latin typeface="微軟正黑體" pitchFamily="34" charset="-120"/>
+                <a:ea typeface="微軟正黑體" pitchFamily="34" charset="-120"/>
+              </a:rPr>
+              <a:t>你信實極其</a:t>
+            </a:r>
+            <a:r>
+              <a:rPr lang="zh-TW" altLang="en-US" sz="5400" b="1" dirty="0" smtClean="0">
+                <a:latin typeface="微軟正黑體" pitchFamily="34" charset="-120"/>
+                <a:ea typeface="微軟正黑體" pitchFamily="34" charset="-120"/>
+              </a:rPr>
+              <a:t>廣大</a:t>
+            </a:r>
+            <a:endParaRPr lang="en-US" altLang="zh-TW" sz="5400" b="1" dirty="0" smtClean="0">
+              <a:latin typeface="微軟正黑體" pitchFamily="34" charset="-120"/>
+              <a:ea typeface="微軟正黑體" pitchFamily="34" charset="-120"/>
+              <a:cs typeface="+mj-cs"/>
+            </a:endParaRPr>
+          </a:p>
+          <a:p>
+            <a:pPr algn="ctr">
+              <a:buNone/>
+            </a:pPr>
+            <a:r>
+              <a:rPr lang="zh-TW" altLang="en-US" sz="5400" b="1" dirty="0" smtClean="0">
+                <a:latin typeface="微軟正黑體" pitchFamily="34" charset="-120"/>
+                <a:ea typeface="微軟正黑體" pitchFamily="34" charset="-120"/>
+                <a:cs typeface="+mj-cs"/>
+              </a:rPr>
+              <a:t>你</a:t>
+            </a:r>
+            <a:r>
+              <a:rPr lang="zh-TW" altLang="en-US" sz="5400" b="1" dirty="0">
+                <a:latin typeface="微軟正黑體" pitchFamily="34" charset="-120"/>
+                <a:ea typeface="微軟正黑體" pitchFamily="34" charset="-120"/>
+                <a:cs typeface="+mj-cs"/>
+              </a:rPr>
+              <a:t>的憐憫不致斷絕 </a:t>
+            </a:r>
+            <a:endParaRPr lang="en-US" altLang="zh-TW" sz="5400" b="1" dirty="0">
+              <a:latin typeface="微軟正黑體" pitchFamily="34" charset="-120"/>
+              <a:ea typeface="微軟正黑體" pitchFamily="34" charset="-120"/>
+              <a:cs typeface="+mj-cs"/>
+            </a:endParaRPr>
+          </a:p>
+          <a:p>
+            <a:pPr algn="ctr">
+              <a:buNone/>
+            </a:pPr>
+            <a:r>
+              <a:rPr lang="zh-TW" altLang="en-US" sz="5400" b="1" dirty="0">
+                <a:latin typeface="微軟正黑體" pitchFamily="34" charset="-120"/>
+                <a:ea typeface="微軟正黑體" pitchFamily="34" charset="-120"/>
+                <a:cs typeface="+mj-cs"/>
+              </a:rPr>
+              <a:t>滿有恩典</a:t>
+            </a:r>
+            <a:endParaRPr lang="en-US" altLang="zh-TW" sz="5400" b="1" dirty="0">
+              <a:latin typeface="微軟正黑體" pitchFamily="34" charset="-120"/>
+              <a:ea typeface="微軟正黑體" pitchFamily="34" charset="-120"/>
+              <a:cs typeface="+mj-cs"/>
+            </a:endParaRPr>
+          </a:p>
+          <a:p>
+            <a:pPr algn="ctr">
+              <a:buNone/>
+            </a:pPr>
+            <a:r>
+              <a:rPr lang="zh-TW" altLang="en-US" sz="5400" b="1" dirty="0">
+                <a:latin typeface="微軟正黑體" pitchFamily="34" charset="-120"/>
+                <a:ea typeface="微軟正黑體" pitchFamily="34" charset="-120"/>
+                <a:cs typeface="+mj-cs"/>
+              </a:rPr>
+              <a:t>我尋求你仰望你的榮面</a:t>
+            </a:r>
+          </a:p>
+        </p:txBody>
+      </p:sp>
+    </p:spTree>
+  </p:cSld>
+  <p:clrMapOvr>
+    <a:masterClrMapping/>
+  </p:clrMapOvr>
+  <p:timing>
+    <p:tnLst>
+      <p:par>
+        <p:cTn id="1" dur="indefinite" restart="never" nodeType="tmRoot"/>
+      </p:par>
+    </p:tnLst>
+  </p:timing>
+</p:sld>
+</file>
+
+<file path=ppt/slides/slide7.xml><?xml version="1.0" encoding="utf-8"?>
+<p:sld xmlns:a="http://schemas.openxmlformats.org/drawingml/2006/main" xmlns:r="http://schemas.openxmlformats.org/officeDocument/2006/relationships" xmlns:p="http://schemas.openxmlformats.org/presentationml/2006/main">
+  <p:cSld>
+    <p:spTree>
+      <p:nvGrpSpPr>
+        <p:cNvPr id="1" name=""/>
+        <p:cNvGrpSpPr/>
+        <p:nvPr/>
+      </p:nvGrpSpPr>
+      <p:grpSpPr>
+        <a:xfrm>
+          <a:off x="0" y="0"/>
+          <a:ext cx="0" cy="0"/>
+          <a:chOff x="0" y="0"/>
+          <a:chExt cx="0" cy="0"/>
+        </a:xfrm>
+      </p:grpSpPr>
+      <p:sp>
+        <p:nvSpPr>
           <p:cNvPr id="2" name="標題 1"/>
           <p:cNvSpPr>
             <a:spLocks noGrp="1"/>
@@ -3597,38 +4205,129 @@
                 <a:ea typeface="微軟正黑體" pitchFamily="34" charset="-120"/>
                 <a:cs typeface="+mj-cs"/>
               </a:rPr>
-              <a:t>我呼求你憐憫   我呼求你恩典</a:t>
-            </a:r>
-            <a:br>
+              <a:t>我呼求你</a:t>
+            </a:r>
+            <a:r>
+              <a:rPr lang="zh-TW" altLang="en-US" sz="5400" b="1" dirty="0" smtClean="0">
+                <a:latin typeface="微軟正黑體" pitchFamily="34" charset="-120"/>
+                <a:ea typeface="微軟正黑體" pitchFamily="34" charset="-120"/>
+                <a:cs typeface="+mj-cs"/>
+              </a:rPr>
+              <a:t>憐憫</a:t>
+            </a:r>
+            <a:r>
+              <a:rPr lang="en-US" altLang="zh-TW" sz="5400" b="1" dirty="0" smtClean="0">
+                <a:latin typeface="微軟正黑體" pitchFamily="34" charset="-120"/>
+                <a:ea typeface="微軟正黑體" pitchFamily="34" charset="-120"/>
+                <a:cs typeface="+mj-cs"/>
+              </a:rPr>
+              <a:t>   </a:t>
+            </a:r>
+            <a:r>
+              <a:rPr lang="zh-TW" altLang="en-US" sz="5400" b="1" dirty="0" smtClean="0">
+                <a:latin typeface="微軟正黑體" pitchFamily="34" charset="-120"/>
+                <a:ea typeface="微軟正黑體" pitchFamily="34" charset="-120"/>
+                <a:cs typeface="+mj-cs"/>
+              </a:rPr>
+              <a:t>我</a:t>
+            </a:r>
+            <a:r>
               <a:rPr lang="zh-TW" altLang="en-US" sz="5400" b="1" dirty="0">
                 <a:latin typeface="微軟正黑體" pitchFamily="34" charset="-120"/>
                 <a:ea typeface="微軟正黑體" pitchFamily="34" charset="-120"/>
                 <a:cs typeface="+mj-cs"/>
               </a:rPr>
-            </a:br>
+              <a:t>呼求你恩典</a:t>
+            </a:r>
+            <a:endParaRPr lang="en-US" altLang="zh-TW" sz="5400" b="1" dirty="0">
+              <a:latin typeface="微軟正黑體" pitchFamily="34" charset="-120"/>
+              <a:ea typeface="微軟正黑體" pitchFamily="34" charset="-120"/>
+              <a:cs typeface="+mj-cs"/>
+            </a:endParaRPr>
+          </a:p>
+          <a:p>
+            <a:pPr algn="ctr">
+              <a:buNone/>
+            </a:pPr>
             <a:r>
               <a:rPr lang="zh-TW" altLang="en-US" sz="5400" b="1" dirty="0">
                 <a:latin typeface="微軟正黑體" pitchFamily="34" charset="-120"/>
                 <a:ea typeface="微軟正黑體" pitchFamily="34" charset="-120"/>
                 <a:cs typeface="+mj-cs"/>
               </a:rPr>
-              <a:t>你同在不離開   聖靈扶持我</a:t>
-            </a:r>
-            <a:br>
+              <a:t>我抓住你</a:t>
+            </a:r>
+            <a:r>
+              <a:rPr lang="zh-TW" altLang="en-US" sz="5400" b="1" dirty="0" smtClean="0">
+                <a:latin typeface="微軟正黑體" pitchFamily="34" charset="-120"/>
+                <a:ea typeface="微軟正黑體" pitchFamily="34" charset="-120"/>
+                <a:cs typeface="+mj-cs"/>
+              </a:rPr>
+              <a:t>應許</a:t>
+            </a:r>
+            <a:r>
+              <a:rPr lang="en-US" altLang="zh-TW" sz="5400" b="1" dirty="0" smtClean="0">
+                <a:latin typeface="微軟正黑體" pitchFamily="34" charset="-120"/>
+                <a:ea typeface="微軟正黑體" pitchFamily="34" charset="-120"/>
+                <a:cs typeface="+mj-cs"/>
+              </a:rPr>
+              <a:t>   </a:t>
+            </a:r>
+            <a:r>
+              <a:rPr lang="zh-TW" altLang="en-US" sz="5400" b="1" dirty="0" smtClean="0">
+                <a:latin typeface="微軟正黑體" pitchFamily="34" charset="-120"/>
+                <a:ea typeface="微軟正黑體" pitchFamily="34" charset="-120"/>
+                <a:cs typeface="+mj-cs"/>
+              </a:rPr>
+              <a:t>堅定</a:t>
+            </a:r>
+            <a:r>
               <a:rPr lang="zh-TW" altLang="en-US" sz="5400" b="1" dirty="0">
                 <a:latin typeface="微軟正黑體" pitchFamily="34" charset="-120"/>
                 <a:ea typeface="微軟正黑體" pitchFamily="34" charset="-120"/>
                 <a:cs typeface="+mj-cs"/>
               </a:rPr>
-            </a:br>
+              <a:t>倚靠</a:t>
+            </a:r>
+            <a:r>
+              <a:rPr lang="zh-TW" altLang="en-US" sz="5400" b="1" dirty="0" smtClean="0">
+                <a:latin typeface="微軟正黑體" pitchFamily="34" charset="-120"/>
+                <a:ea typeface="微軟正黑體" pitchFamily="34" charset="-120"/>
+                <a:cs typeface="+mj-cs"/>
+              </a:rPr>
+              <a:t>你</a:t>
+            </a:r>
+            <a:endParaRPr lang="en-US" altLang="zh-TW" sz="5400" b="1" dirty="0" smtClean="0">
+              <a:latin typeface="微軟正黑體" pitchFamily="34" charset="-120"/>
+              <a:ea typeface="微軟正黑體" pitchFamily="34" charset="-120"/>
+              <a:cs typeface="+mj-cs"/>
+            </a:endParaRPr>
+          </a:p>
+          <a:p>
+            <a:pPr algn="ctr">
+              <a:buNone/>
+            </a:pPr>
             <a:r>
               <a:rPr lang="zh-TW" altLang="en-US" sz="5400" b="1" dirty="0">
                 <a:latin typeface="微軟正黑體" pitchFamily="34" charset="-120"/>
                 <a:ea typeface="微軟正黑體" pitchFamily="34" charset="-120"/>
                 <a:cs typeface="+mj-cs"/>
               </a:rPr>
-              <a:t>你是我拯救</a:t>
-            </a:r>
+              <a:t>憐憫原是向審判誇</a:t>
+            </a:r>
+            <a:r>
+              <a:rPr lang="zh-TW" altLang="en-US" sz="5400" b="1" dirty="0" smtClean="0">
+                <a:latin typeface="微軟正黑體" pitchFamily="34" charset="-120"/>
+                <a:ea typeface="微軟正黑體" pitchFamily="34" charset="-120"/>
+                <a:cs typeface="+mj-cs"/>
+              </a:rPr>
+              <a:t>勝</a:t>
+            </a:r>
+            <a:endParaRPr lang="zh-TW" altLang="en-US" sz="5400" b="1" dirty="0">
+              <a:latin typeface="微軟正黑體" pitchFamily="34" charset="-120"/>
+              <a:ea typeface="微軟正黑體" pitchFamily="34" charset="-120"/>
+              <a:cs typeface="+mj-cs"/>
+            </a:endParaRPr>
           </a:p>
         </p:txBody>
       </p:sp>
@@ -3637,6 +4336,136 @@
   <p:clrMapOvr>
     <a:masterClrMapping/>
   </p:clrMapOvr>
+  <p:timing>
+    <p:tnLst>
+      <p:par>
+        <p:cTn id="1" dur="indefinite" restart="never" nodeType="tmRoot"/>
+      </p:par>
+    </p:tnLst>
+  </p:timing>
+</p:sld>
+</file>
+
+<file path=ppt/slides/slide8.xml><?xml version="1.0" encoding="utf-8"?>
+<p:sld xmlns:a="http://schemas.openxmlformats.org/drawingml/2006/main" xmlns:r="http://schemas.openxmlformats.org/officeDocument/2006/relationships" xmlns:p="http://schemas.openxmlformats.org/presentationml/2006/main">
+  <p:cSld>
+    <p:spTree>
+      <p:nvGrpSpPr>
+        <p:cNvPr id="1" name=""/>
+        <p:cNvGrpSpPr/>
+        <p:nvPr/>
+      </p:nvGrpSpPr>
+      <p:grpSpPr>
+        <a:xfrm>
+          <a:off x="0" y="0"/>
+          <a:ext cx="0" cy="0"/>
+          <a:chOff x="0" y="0"/>
+          <a:chExt cx="0" cy="0"/>
+        </a:xfrm>
+      </p:grpSpPr>
+      <p:sp>
+        <p:nvSpPr>
+          <p:cNvPr id="2" name="標題 1"/>
+          <p:cNvSpPr>
+            <a:spLocks noGrp="1"/>
+          </p:cNvSpPr>
+          <p:nvPr>
+            <p:ph type="title"/>
+          </p:nvPr>
+        </p:nvSpPr>
+        <p:spPr/>
+        <p:txBody>
+          <a:bodyPr/>
+          <a:lstStyle/>
+          <a:p>
+            <a:r>
+              <a:rPr lang="zh-TW" altLang="en-US" b="1" dirty="0">
+                <a:latin typeface="微軟正黑體" pitchFamily="34" charset="-120"/>
+                <a:ea typeface="微軟正黑體" pitchFamily="34" charset="-120"/>
+              </a:rPr>
+              <a:t>呼求你憐憫</a:t>
+            </a:r>
+          </a:p>
+        </p:txBody>
+      </p:sp>
+      <p:sp>
+        <p:nvSpPr>
+          <p:cNvPr id="3" name="內容版面配置區 2"/>
+          <p:cNvSpPr>
+            <a:spLocks noGrp="1"/>
+          </p:cNvSpPr>
+          <p:nvPr>
+            <p:ph idx="1"/>
+          </p:nvPr>
+        </p:nvSpPr>
+        <p:spPr>
+          <a:xfrm>
+            <a:off x="0" y="1600200"/>
+            <a:ext cx="9144000" cy="4525963"/>
+          </a:xfrm>
+        </p:spPr>
+        <p:txBody>
+          <a:bodyPr>
+            <a:normAutofit/>
+          </a:bodyPr>
+          <a:lstStyle/>
+          <a:p>
+            <a:pPr algn="ctr">
+              <a:buNone/>
+            </a:pPr>
+            <a:r>
+              <a:rPr lang="zh-TW" altLang="en-US" sz="5400" b="1" dirty="0">
+                <a:latin typeface="微軟正黑體" pitchFamily="34" charset="-120"/>
+                <a:ea typeface="微軟正黑體" pitchFamily="34" charset="-120"/>
+                <a:cs typeface="+mj-cs"/>
+              </a:rPr>
+              <a:t>我呼求你憐憫   我呼求你恩典</a:t>
+            </a:r>
+            <a:br>
+              <a:rPr lang="zh-TW" altLang="en-US" sz="5400" b="1" dirty="0">
+                <a:latin typeface="微軟正黑體" pitchFamily="34" charset="-120"/>
+                <a:ea typeface="微軟正黑體" pitchFamily="34" charset="-120"/>
+                <a:cs typeface="+mj-cs"/>
+              </a:rPr>
+            </a:br>
+            <a:r>
+              <a:rPr lang="zh-TW" altLang="en-US" sz="5400" b="1" dirty="0">
+                <a:latin typeface="微軟正黑體" pitchFamily="34" charset="-120"/>
+                <a:ea typeface="微軟正黑體" pitchFamily="34" charset="-120"/>
+                <a:cs typeface="+mj-cs"/>
+              </a:rPr>
+              <a:t>你同在不離開   聖靈扶持我</a:t>
+            </a:r>
+            <a:br>
+              <a:rPr lang="zh-TW" altLang="en-US" sz="5400" b="1" dirty="0">
+                <a:latin typeface="微軟正黑體" pitchFamily="34" charset="-120"/>
+                <a:ea typeface="微軟正黑體" pitchFamily="34" charset="-120"/>
+                <a:cs typeface="+mj-cs"/>
+              </a:rPr>
+            </a:br>
+            <a:r>
+              <a:rPr lang="zh-TW" altLang="en-US" sz="5400" b="1" dirty="0">
+                <a:latin typeface="微軟正黑體" pitchFamily="34" charset="-120"/>
+                <a:ea typeface="微軟正黑體" pitchFamily="34" charset="-120"/>
+                <a:cs typeface="+mj-cs"/>
+              </a:rPr>
+              <a:t>你是我拯救</a:t>
+            </a:r>
+          </a:p>
+        </p:txBody>
+      </p:sp>
+    </p:spTree>
+  </p:cSld>
+  <p:clrMapOvr>
+    <a:masterClrMapping/>
+  </p:clrMapOvr>
+  <p:timing>
+    <p:tnLst>
+      <p:par>
+        <p:cTn id="1" dur="indefinite" restart="never" nodeType="tmRoot"/>
+      </p:par>
+    </p:tnLst>
+  </p:timing>
 </p:sld>
 </file>
 

--- a/呼求你憐憫.pptx
+++ b/呼求你憐憫.pptx
@@ -5,16 +5,12 @@
     <p:sldMasterId id="2147483660" r:id="rId1"/>
   </p:sldMasterIdLst>
   <p:sldIdLst>
-    <p:sldId id="261" r:id="rId2"/>
-    <p:sldId id="262" r:id="rId3"/>
-    <p:sldId id="263" r:id="rId4"/>
-    <p:sldId id="264" r:id="rId5"/>
-    <p:sldId id="257" r:id="rId6"/>
-    <p:sldId id="258" r:id="rId7"/>
-    <p:sldId id="259" r:id="rId8"/>
-    <p:sldId id="260" r:id="rId9"/>
+    <p:sldId id="257" r:id="rId2"/>
+    <p:sldId id="258" r:id="rId3"/>
+    <p:sldId id="259" r:id="rId4"/>
+    <p:sldId id="260" r:id="rId5"/>
   </p:sldIdLst>
-  <p:sldSz cx="9144000" cy="6858000" type="screen4x3"/>
+  <p:sldSz cx="12192000" cy="6858000"/>
   <p:notesSz cx="6858000" cy="9144000"/>
   <p:defaultTextStyle>
     <a:defPPr>
@@ -111,6 +107,22 @@
       </a:defRPr>
     </a:lvl9pPr>
   </p:defaultTextStyle>
+  <p:extLst>
+    <p:ext uri="{EFAFB233-063F-42B5-8137-9DF3F51BA10A}">
+      <p15:sldGuideLst xmlns:p15="http://schemas.microsoft.com/office/powerpoint/2012/main">
+        <p15:guide id="1" orient="horz" pos="2160" userDrawn="1">
+          <p15:clr>
+            <a:srgbClr val="A4A3A4"/>
+          </p15:clr>
+        </p15:guide>
+        <p15:guide id="2" pos="3840" userDrawn="1">
+          <p15:clr>
+            <a:srgbClr val="A4A3A4"/>
+          </p15:clr>
+        </p15:guide>
+      </p15:sldGuideLst>
+    </p:ext>
+  </p:extLst>
 </p:presentation>
 </file>
 
@@ -143,8 +155,8 @@
         </p:nvSpPr>
         <p:spPr>
           <a:xfrm>
-            <a:off x="685800" y="2130425"/>
-            <a:ext cx="7772400" cy="1470025"/>
+            <a:off x="914400" y="2130426"/>
+            <a:ext cx="10363200" cy="1470025"/>
           </a:xfrm>
         </p:spPr>
         <p:txBody>
@@ -171,8 +183,8 @@
         </p:nvSpPr>
         <p:spPr>
           <a:xfrm>
-            <a:off x="1371600" y="3886200"/>
-            <a:ext cx="6400800" cy="1752600"/>
+            <a:off x="1828800" y="3886200"/>
+            <a:ext cx="8534400" cy="1752600"/>
           </a:xfrm>
         </p:spPr>
         <p:txBody>
@@ -296,7 +308,7 @@
             <a:fld id="{2144A2A8-0B7C-4AE0-AD7A-EFE43259BCEF}" type="datetimeFigureOut">
               <a:rPr lang="zh-TW" altLang="en-US" smtClean="0"/>
               <a:pPr/>
-              <a:t>2019/3/19</a:t>
+              <a:t>2020/4/18</a:t>
             </a:fld>
             <a:endParaRPr lang="zh-TW" altLang="en-US"/>
           </a:p>
@@ -463,7 +475,7 @@
             <a:fld id="{2144A2A8-0B7C-4AE0-AD7A-EFE43259BCEF}" type="datetimeFigureOut">
               <a:rPr lang="zh-TW" altLang="en-US" smtClean="0"/>
               <a:pPr/>
-              <a:t>2019/3/19</a:t>
+              <a:t>2020/4/18</a:t>
             </a:fld>
             <a:endParaRPr lang="zh-TW" altLang="en-US"/>
           </a:p>
@@ -549,8 +561,8 @@
         </p:nvSpPr>
         <p:spPr>
           <a:xfrm>
-            <a:off x="6629400" y="274638"/>
-            <a:ext cx="2057400" cy="5851525"/>
+            <a:off x="8839200" y="274639"/>
+            <a:ext cx="2743200" cy="5851525"/>
           </a:xfrm>
         </p:spPr>
         <p:txBody>
@@ -577,8 +589,8 @@
         </p:nvSpPr>
         <p:spPr>
           <a:xfrm>
-            <a:off x="457200" y="274638"/>
-            <a:ext cx="6019800" cy="5851525"/>
+            <a:off x="609600" y="274639"/>
+            <a:ext cx="8026400" cy="5851525"/>
           </a:xfrm>
         </p:spPr>
         <p:txBody>
@@ -640,7 +652,7 @@
             <a:fld id="{2144A2A8-0B7C-4AE0-AD7A-EFE43259BCEF}" type="datetimeFigureOut">
               <a:rPr lang="zh-TW" altLang="en-US" smtClean="0"/>
               <a:pPr/>
-              <a:t>2019/3/19</a:t>
+              <a:t>2020/4/18</a:t>
             </a:fld>
             <a:endParaRPr lang="zh-TW" altLang="en-US"/>
           </a:p>
@@ -807,7 +819,7 @@
             <a:fld id="{2144A2A8-0B7C-4AE0-AD7A-EFE43259BCEF}" type="datetimeFigureOut">
               <a:rPr lang="zh-TW" altLang="en-US" smtClean="0"/>
               <a:pPr/>
-              <a:t>2019/3/19</a:t>
+              <a:t>2020/4/18</a:t>
             </a:fld>
             <a:endParaRPr lang="zh-TW" altLang="en-US"/>
           </a:p>
@@ -893,8 +905,8 @@
         </p:nvSpPr>
         <p:spPr>
           <a:xfrm>
-            <a:off x="722313" y="4406900"/>
-            <a:ext cx="7772400" cy="1362075"/>
+            <a:off x="963084" y="4406901"/>
+            <a:ext cx="10363200" cy="1362075"/>
           </a:xfrm>
         </p:spPr>
         <p:txBody>
@@ -925,8 +937,8 @@
         </p:nvSpPr>
         <p:spPr>
           <a:xfrm>
-            <a:off x="722313" y="2906713"/>
-            <a:ext cx="7772400" cy="1500187"/>
+            <a:off x="963084" y="2906713"/>
+            <a:ext cx="10363200" cy="1500187"/>
           </a:xfrm>
         </p:spPr>
         <p:txBody>
@@ -1050,7 +1062,7 @@
             <a:fld id="{2144A2A8-0B7C-4AE0-AD7A-EFE43259BCEF}" type="datetimeFigureOut">
               <a:rPr lang="zh-TW" altLang="en-US" smtClean="0"/>
               <a:pPr/>
-              <a:t>2019/3/19</a:t>
+              <a:t>2020/4/18</a:t>
             </a:fld>
             <a:endParaRPr lang="zh-TW" altLang="en-US"/>
           </a:p>
@@ -1159,8 +1171,8 @@
         </p:nvSpPr>
         <p:spPr>
           <a:xfrm>
-            <a:off x="457200" y="1600200"/>
-            <a:ext cx="4038600" cy="4525963"/>
+            <a:off x="609600" y="1600201"/>
+            <a:ext cx="5384800" cy="4525963"/>
           </a:xfrm>
         </p:spPr>
         <p:txBody>
@@ -1244,8 +1256,8 @@
         </p:nvSpPr>
         <p:spPr>
           <a:xfrm>
-            <a:off x="4648200" y="1600200"/>
-            <a:ext cx="4038600" cy="4525963"/>
+            <a:off x="6197600" y="1600201"/>
+            <a:ext cx="5384800" cy="4525963"/>
           </a:xfrm>
         </p:spPr>
         <p:txBody>
@@ -1335,7 +1347,7 @@
             <a:fld id="{2144A2A8-0B7C-4AE0-AD7A-EFE43259BCEF}" type="datetimeFigureOut">
               <a:rPr lang="zh-TW" altLang="en-US" smtClean="0"/>
               <a:pPr/>
-              <a:t>2019/3/19</a:t>
+              <a:t>2020/4/18</a:t>
             </a:fld>
             <a:endParaRPr lang="zh-TW" altLang="en-US"/>
           </a:p>
@@ -1448,8 +1460,8 @@
         </p:nvSpPr>
         <p:spPr>
           <a:xfrm>
-            <a:off x="457200" y="1535113"/>
-            <a:ext cx="4040188" cy="639762"/>
+            <a:off x="609600" y="1535113"/>
+            <a:ext cx="5386917" cy="639762"/>
           </a:xfrm>
         </p:spPr>
         <p:txBody>
@@ -1513,8 +1525,8 @@
         </p:nvSpPr>
         <p:spPr>
           <a:xfrm>
-            <a:off x="457200" y="2174875"/>
-            <a:ext cx="4040188" cy="3951288"/>
+            <a:off x="609600" y="2174875"/>
+            <a:ext cx="5386917" cy="3951288"/>
           </a:xfrm>
         </p:spPr>
         <p:txBody>
@@ -1598,8 +1610,8 @@
         </p:nvSpPr>
         <p:spPr>
           <a:xfrm>
-            <a:off x="4645025" y="1535113"/>
-            <a:ext cx="4041775" cy="639762"/>
+            <a:off x="6193368" y="1535113"/>
+            <a:ext cx="5389033" cy="639762"/>
           </a:xfrm>
         </p:spPr>
         <p:txBody>
@@ -1663,8 +1675,8 @@
         </p:nvSpPr>
         <p:spPr>
           <a:xfrm>
-            <a:off x="4645025" y="2174875"/>
-            <a:ext cx="4041775" cy="3951288"/>
+            <a:off x="6193368" y="2174875"/>
+            <a:ext cx="5389033" cy="3951288"/>
           </a:xfrm>
         </p:spPr>
         <p:txBody>
@@ -1754,7 +1766,7 @@
             <a:fld id="{2144A2A8-0B7C-4AE0-AD7A-EFE43259BCEF}" type="datetimeFigureOut">
               <a:rPr lang="zh-TW" altLang="en-US" smtClean="0"/>
               <a:pPr/>
-              <a:t>2019/3/19</a:t>
+              <a:t>2020/4/18</a:t>
             </a:fld>
             <a:endParaRPr lang="zh-TW" altLang="en-US"/>
           </a:p>
@@ -1869,7 +1881,7 @@
             <a:fld id="{2144A2A8-0B7C-4AE0-AD7A-EFE43259BCEF}" type="datetimeFigureOut">
               <a:rPr lang="zh-TW" altLang="en-US" smtClean="0"/>
               <a:pPr/>
-              <a:t>2019/3/19</a:t>
+              <a:t>2020/4/18</a:t>
             </a:fld>
             <a:endParaRPr lang="zh-TW" altLang="en-US"/>
           </a:p>
@@ -1961,7 +1973,7 @@
             <a:fld id="{2144A2A8-0B7C-4AE0-AD7A-EFE43259BCEF}" type="datetimeFigureOut">
               <a:rPr lang="zh-TW" altLang="en-US" smtClean="0"/>
               <a:pPr/>
-              <a:t>2019/3/19</a:t>
+              <a:t>2020/4/18</a:t>
             </a:fld>
             <a:endParaRPr lang="zh-TW" altLang="en-US"/>
           </a:p>
@@ -2047,8 +2059,8 @@
         </p:nvSpPr>
         <p:spPr>
           <a:xfrm>
-            <a:off x="457200" y="273050"/>
-            <a:ext cx="3008313" cy="1162050"/>
+            <a:off x="609601" y="273050"/>
+            <a:ext cx="4011084" cy="1162050"/>
           </a:xfrm>
         </p:spPr>
         <p:txBody>
@@ -2079,8 +2091,8 @@
         </p:nvSpPr>
         <p:spPr>
           <a:xfrm>
-            <a:off x="3575050" y="273050"/>
-            <a:ext cx="5111750" cy="5853113"/>
+            <a:off x="4766733" y="273051"/>
+            <a:ext cx="6815667" cy="5853113"/>
           </a:xfrm>
         </p:spPr>
         <p:txBody>
@@ -2164,8 +2176,8 @@
         </p:nvSpPr>
         <p:spPr>
           <a:xfrm>
-            <a:off x="457200" y="1435100"/>
-            <a:ext cx="3008313" cy="4691063"/>
+            <a:off x="609601" y="1435101"/>
+            <a:ext cx="4011084" cy="4691063"/>
           </a:xfrm>
         </p:spPr>
         <p:txBody>
@@ -2235,7 +2247,7 @@
             <a:fld id="{2144A2A8-0B7C-4AE0-AD7A-EFE43259BCEF}" type="datetimeFigureOut">
               <a:rPr lang="zh-TW" altLang="en-US" smtClean="0"/>
               <a:pPr/>
-              <a:t>2019/3/19</a:t>
+              <a:t>2020/4/18</a:t>
             </a:fld>
             <a:endParaRPr lang="zh-TW" altLang="en-US"/>
           </a:p>
@@ -2321,8 +2333,8 @@
         </p:nvSpPr>
         <p:spPr>
           <a:xfrm>
-            <a:off x="1792288" y="4800600"/>
-            <a:ext cx="5486400" cy="566738"/>
+            <a:off x="2389717" y="4800600"/>
+            <a:ext cx="7315200" cy="566738"/>
           </a:xfrm>
         </p:spPr>
         <p:txBody>
@@ -2353,8 +2365,8 @@
         </p:nvSpPr>
         <p:spPr>
           <a:xfrm>
-            <a:off x="1792288" y="612775"/>
-            <a:ext cx="5486400" cy="4114800"/>
+            <a:off x="2389717" y="612775"/>
+            <a:ext cx="7315200" cy="4114800"/>
           </a:xfrm>
         </p:spPr>
         <p:txBody>
@@ -2418,8 +2430,8 @@
         </p:nvSpPr>
         <p:spPr>
           <a:xfrm>
-            <a:off x="1792288" y="5367338"/>
-            <a:ext cx="5486400" cy="804862"/>
+            <a:off x="2389717" y="5367338"/>
+            <a:ext cx="7315200" cy="804862"/>
           </a:xfrm>
         </p:spPr>
         <p:txBody>
@@ -2489,7 +2501,7 @@
             <a:fld id="{2144A2A8-0B7C-4AE0-AD7A-EFE43259BCEF}" type="datetimeFigureOut">
               <a:rPr lang="zh-TW" altLang="en-US" smtClean="0"/>
               <a:pPr/>
-              <a:t>2019/3/19</a:t>
+              <a:t>2020/4/18</a:t>
             </a:fld>
             <a:endParaRPr lang="zh-TW" altLang="en-US"/>
           </a:p>
@@ -2585,8 +2597,8 @@
         </p:nvSpPr>
         <p:spPr>
           <a:xfrm>
-            <a:off x="457200" y="274638"/>
-            <a:ext cx="8229600" cy="1143000"/>
+            <a:off x="609600" y="274638"/>
+            <a:ext cx="10972800" cy="1143000"/>
           </a:xfrm>
           <a:prstGeom prst="rect">
             <a:avLst/>
@@ -2618,8 +2630,8 @@
         </p:nvSpPr>
         <p:spPr>
           <a:xfrm>
-            <a:off x="457200" y="1600200"/>
-            <a:ext cx="8229600" cy="4525963"/>
+            <a:off x="609600" y="1600201"/>
+            <a:ext cx="10972800" cy="4525963"/>
           </a:xfrm>
           <a:prstGeom prst="rect">
             <a:avLst/>
@@ -2680,8 +2692,8 @@
         </p:nvSpPr>
         <p:spPr>
           <a:xfrm>
-            <a:off x="457200" y="6356350"/>
-            <a:ext cx="2133600" cy="365125"/>
+            <a:off x="609600" y="6356351"/>
+            <a:ext cx="2844800" cy="365125"/>
           </a:xfrm>
           <a:prstGeom prst="rect">
             <a:avLst/>
@@ -2704,7 +2716,7 @@
             <a:fld id="{2144A2A8-0B7C-4AE0-AD7A-EFE43259BCEF}" type="datetimeFigureOut">
               <a:rPr lang="zh-TW" altLang="en-US" smtClean="0"/>
               <a:pPr/>
-              <a:t>2019/3/19</a:t>
+              <a:t>2020/4/18</a:t>
             </a:fld>
             <a:endParaRPr lang="zh-TW" altLang="en-US"/>
           </a:p>
@@ -2722,8 +2734,8 @@
         </p:nvSpPr>
         <p:spPr>
           <a:xfrm>
-            <a:off x="3124200" y="6356350"/>
-            <a:ext cx="2895600" cy="365125"/>
+            <a:off x="4165600" y="6356351"/>
+            <a:ext cx="3860800" cy="365125"/>
           </a:xfrm>
           <a:prstGeom prst="rect">
             <a:avLst/>
@@ -2759,8 +2771,8 @@
         </p:nvSpPr>
         <p:spPr>
           <a:xfrm>
-            <a:off x="6553200" y="6356350"/>
-            <a:ext cx="2133600" cy="365125"/>
+            <a:off x="8737600" y="6356351"/>
+            <a:ext cx="2844800" cy="365125"/>
           </a:xfrm>
           <a:prstGeom prst="rect">
             <a:avLst/>
@@ -3077,7 +3089,7 @@
       </p:grpSpPr>
       <p:sp>
         <p:nvSpPr>
-          <p:cNvPr id="4" name="標題 3"/>
+          <p:cNvPr id="2" name="標題 1"/>
           <p:cNvSpPr>
             <a:spLocks noGrp="1"/>
           </p:cNvSpPr>
@@ -3087,73 +3099,135 @@
         </p:nvSpPr>
         <p:spPr/>
         <p:txBody>
-          <a:bodyPr/>
-          <a:lstStyle/>
-          <a:p>
-            <a:r>
-              <a:rPr lang="zh-CN" altLang="en-US" b="1" dirty="0" smtClean="0">
-                <a:solidFill>
-                  <a:srgbClr val="000066"/>
-                </a:solidFill>
-                <a:latin typeface="微軟正黑體" pitchFamily="34" charset="-120"/>
-                <a:ea typeface="微軟正黑體" pitchFamily="34" charset="-120"/>
-              </a:rPr>
-              <a:t>我們歡迎君王降臨</a:t>
-            </a:r>
-            <a:endParaRPr lang="zh-TW" altLang="en-US" b="1" dirty="0">
-              <a:solidFill>
-                <a:srgbClr val="000066"/>
-              </a:solidFill>
+          <a:bodyPr>
+            <a:normAutofit/>
+          </a:bodyPr>
+          <a:lstStyle/>
+          <a:p>
+            <a:r>
+              <a:rPr lang="zh-TW" altLang="en-US" sz="4800" b="1" dirty="0">
+                <a:latin typeface="微軟正黑體" pitchFamily="34" charset="-120"/>
+                <a:ea typeface="微軟正黑體" pitchFamily="34" charset="-120"/>
+              </a:rPr>
+              <a:t>呼</a:t>
+            </a:r>
+            <a:r>
+              <a:rPr lang="zh-TW" altLang="en-US" sz="4800" b="1" dirty="0" smtClean="0">
+                <a:latin typeface="微軟正黑體" pitchFamily="34" charset="-120"/>
+                <a:ea typeface="微軟正黑體" pitchFamily="34" charset="-120"/>
+              </a:rPr>
+              <a:t>求</a:t>
+            </a:r>
+            <a:r>
+              <a:rPr lang="zh-CN" altLang="en-US" sz="4800" b="1" dirty="0" smtClean="0">
+                <a:latin typeface="微軟正黑體" pitchFamily="34" charset="-120"/>
+                <a:ea typeface="微軟正黑體" pitchFamily="34" charset="-120"/>
+              </a:rPr>
+              <a:t>袮</a:t>
+            </a:r>
+            <a:r>
+              <a:rPr lang="zh-TW" altLang="en-US" sz="4800" b="1" dirty="0" smtClean="0">
+                <a:latin typeface="微軟正黑體" pitchFamily="34" charset="-120"/>
+                <a:ea typeface="微軟正黑體" pitchFamily="34" charset="-120"/>
+              </a:rPr>
+              <a:t>憐</a:t>
+            </a:r>
+            <a:r>
+              <a:rPr lang="zh-TW" altLang="en-US" sz="4800" b="1" dirty="0">
+                <a:latin typeface="微軟正黑體" pitchFamily="34" charset="-120"/>
+                <a:ea typeface="微軟正黑體" pitchFamily="34" charset="-120"/>
+              </a:rPr>
+              <a:t>憫</a:t>
+            </a:r>
+          </a:p>
+        </p:txBody>
+      </p:sp>
+      <p:sp>
+        <p:nvSpPr>
+          <p:cNvPr id="3" name="內容版面配置區 2"/>
+          <p:cNvSpPr>
+            <a:spLocks noGrp="1"/>
+          </p:cNvSpPr>
+          <p:nvPr>
+            <p:ph idx="1"/>
+          </p:nvPr>
+        </p:nvSpPr>
+        <p:spPr/>
+        <p:txBody>
+          <a:bodyPr>
+            <a:normAutofit/>
+          </a:bodyPr>
+          <a:lstStyle/>
+          <a:p>
+            <a:pPr algn="ctr">
+              <a:buNone/>
+            </a:pPr>
+            <a:r>
+              <a:rPr lang="zh-CN" altLang="en-US" sz="5400" b="1" dirty="0">
+                <a:latin typeface="微軟正黑體" pitchFamily="34" charset="-120"/>
+                <a:ea typeface="微軟正黑體" pitchFamily="34" charset="-120"/>
+              </a:rPr>
+              <a:t>袮</a:t>
+            </a:r>
+            <a:r>
+              <a:rPr lang="zh-TW" altLang="en-US" sz="5400" b="1" dirty="0" smtClean="0">
+                <a:latin typeface="微軟正黑體" pitchFamily="34" charset="-120"/>
+                <a:ea typeface="微軟正黑體" pitchFamily="34" charset="-120"/>
+              </a:rPr>
+              <a:t>知</a:t>
+            </a:r>
+            <a:r>
+              <a:rPr lang="zh-TW" altLang="en-US" sz="5400" b="1" dirty="0">
+                <a:latin typeface="微軟正黑體" pitchFamily="34" charset="-120"/>
+                <a:ea typeface="微軟正黑體" pitchFamily="34" charset="-120"/>
+              </a:rPr>
+              <a:t>道我的</a:t>
+            </a:r>
+            <a:r>
+              <a:rPr lang="zh-TW" altLang="en-US" sz="5400" b="1" dirty="0">
+                <a:latin typeface="微軟正黑體" pitchFamily="34" charset="-120"/>
+                <a:ea typeface="微軟正黑體" pitchFamily="34" charset="-120"/>
+              </a:rPr>
+              <a:t>軟弱</a:t>
+            </a:r>
+            <a:endParaRPr lang="en-US" altLang="zh-TW" sz="5400" b="1" dirty="0">
               <a:latin typeface="微軟正黑體" pitchFamily="34" charset="-120"/>
               <a:ea typeface="微軟正黑體" pitchFamily="34" charset="-120"/>
             </a:endParaRPr>
           </a:p>
-        </p:txBody>
-      </p:sp>
-      <p:sp>
-        <p:nvSpPr>
-          <p:cNvPr id="5" name="內容版面配置區 4"/>
-          <p:cNvSpPr>
-            <a:spLocks noGrp="1"/>
-          </p:cNvSpPr>
-          <p:nvPr>
-            <p:ph idx="1"/>
-          </p:nvPr>
-        </p:nvSpPr>
-        <p:spPr/>
-        <p:txBody>
-          <a:bodyPr>
-            <a:noAutofit/>
-          </a:bodyPr>
-          <a:lstStyle/>
           <a:p>
             <a:pPr algn="ctr">
               <a:buNone/>
             </a:pPr>
             <a:r>
+              <a:rPr lang="zh-CN" altLang="en-US" sz="5400" b="1" dirty="0">
+                <a:latin typeface="微軟正黑體" pitchFamily="34" charset="-120"/>
+                <a:ea typeface="微軟正黑體" pitchFamily="34" charset="-120"/>
+              </a:rPr>
+              <a:t>袮</a:t>
+            </a:r>
+            <a:r>
+              <a:rPr lang="zh-TW" altLang="en-US" sz="5400" b="1" dirty="0" smtClean="0">
+                <a:latin typeface="微軟正黑體" pitchFamily="34" charset="-120"/>
+                <a:ea typeface="微軟正黑體" pitchFamily="34" charset="-120"/>
+              </a:rPr>
+              <a:t>用</a:t>
+            </a:r>
+            <a:r>
               <a:rPr lang="zh-TW" altLang="en-US" sz="5400" b="1" dirty="0">
-                <a:solidFill>
-                  <a:srgbClr val="000066"/>
-                </a:solidFill>
-                <a:latin typeface="微軟正黑體" pitchFamily="34" charset="-120"/>
-                <a:ea typeface="微軟正黑體" pitchFamily="34" charset="-120"/>
-              </a:rPr>
-              <a:t>宇宙的</a:t>
-            </a:r>
-            <a:r>
-              <a:rPr lang="zh-TW" altLang="en-US" sz="5400" b="1" dirty="0" smtClean="0">
-                <a:solidFill>
-                  <a:srgbClr val="000066"/>
-                </a:solidFill>
-                <a:latin typeface="微軟正黑體" pitchFamily="34" charset="-120"/>
-                <a:ea typeface="微軟正黑體" pitchFamily="34" charset="-120"/>
-              </a:rPr>
-              <a:t>中心  耶穌</a:t>
-            </a:r>
-            <a:endParaRPr lang="en-US" altLang="zh-TW" sz="5400" b="1" dirty="0" smtClean="0">
-              <a:solidFill>
-                <a:srgbClr val="000066"/>
-              </a:solidFill>
+                <a:latin typeface="微軟正黑體" pitchFamily="34" charset="-120"/>
+                <a:ea typeface="微軟正黑體" pitchFamily="34" charset="-120"/>
+              </a:rPr>
+              <a:t>聖靈的大能來堅固</a:t>
+            </a:r>
+            <a:r>
+              <a:rPr lang="zh-TW" altLang="en-US" sz="5400" b="1" dirty="0">
+                <a:latin typeface="微軟正黑體" pitchFamily="34" charset="-120"/>
+                <a:ea typeface="微軟正黑體" pitchFamily="34" charset="-120"/>
+              </a:rPr>
+              <a:t>我</a:t>
+            </a:r>
+            <a:endParaRPr lang="en-US" altLang="zh-TW" sz="5400" b="1" dirty="0">
               <a:latin typeface="微軟正黑體" pitchFamily="34" charset="-120"/>
               <a:ea typeface="微軟正黑體" pitchFamily="34" charset="-120"/>
             </a:endParaRPr>
@@ -3163,131 +3237,37 @@
               <a:buNone/>
             </a:pPr>
             <a:r>
+              <a:rPr lang="zh-CN" altLang="en-US" sz="5400" b="1" dirty="0">
+                <a:latin typeface="微軟正黑體" pitchFamily="34" charset="-120"/>
+                <a:ea typeface="微軟正黑體" pitchFamily="34" charset="-120"/>
+              </a:rPr>
+              <a:t>袮</a:t>
+            </a:r>
+            <a:r>
               <a:rPr lang="zh-TW" altLang="en-US" sz="5400" b="1" dirty="0" smtClean="0">
-                <a:solidFill>
-                  <a:srgbClr val="000066"/>
-                </a:solidFill>
-                <a:latin typeface="微軟正黑體" pitchFamily="34" charset="-120"/>
-                <a:ea typeface="微軟正黑體" pitchFamily="34" charset="-120"/>
-              </a:rPr>
-              <a:t>世界</a:t>
+                <a:latin typeface="微軟正黑體" pitchFamily="34" charset="-120"/>
+                <a:ea typeface="微軟正黑體" pitchFamily="34" charset="-120"/>
+              </a:rPr>
+              <a:t>的</a:t>
             </a:r>
             <a:r>
               <a:rPr lang="zh-TW" altLang="en-US" sz="5400" b="1" dirty="0">
-                <a:solidFill>
-                  <a:srgbClr val="000066"/>
-                </a:solidFill>
-                <a:latin typeface="微軟正黑體" pitchFamily="34" charset="-120"/>
-                <a:ea typeface="微軟正黑體" pitchFamily="34" charset="-120"/>
-              </a:rPr>
-              <a:t>的</a:t>
-            </a:r>
-            <a:r>
-              <a:rPr lang="zh-TW" altLang="en-US" sz="5400" b="1" dirty="0" smtClean="0">
-                <a:solidFill>
-                  <a:srgbClr val="000066"/>
-                </a:solidFill>
-                <a:latin typeface="微軟正黑體" pitchFamily="34" charset="-120"/>
-                <a:ea typeface="微軟正黑體" pitchFamily="34" charset="-120"/>
-              </a:rPr>
-              <a:t>中心  耶穌</a:t>
+                <a:latin typeface="微軟正黑體" pitchFamily="34" charset="-120"/>
+                <a:ea typeface="微軟正黑體" pitchFamily="34" charset="-120"/>
+              </a:rPr>
+              <a:t>恩惠和慈愛為我</a:t>
+            </a:r>
+            <a:r>
+              <a:rPr lang="zh-TW" altLang="en-US" sz="5400" b="1" dirty="0">
+                <a:latin typeface="微軟正黑體" pitchFamily="34" charset="-120"/>
+                <a:ea typeface="微軟正黑體" pitchFamily="34" charset="-120"/>
+              </a:rPr>
+              <a:t>預備</a:t>
             </a:r>
             <a:endParaRPr lang="en-US" altLang="zh-TW" sz="5400" b="1" dirty="0">
-              <a:solidFill>
-                <a:srgbClr val="000066"/>
-              </a:solidFill>
               <a:latin typeface="微軟正黑體" pitchFamily="34" charset="-120"/>
               <a:ea typeface="微軟正黑體" pitchFamily="34" charset="-120"/>
             </a:endParaRPr>
-          </a:p>
-          <a:p>
-            <a:pPr algn="ctr">
-              <a:buNone/>
-            </a:pPr>
-            <a:r>
-              <a:rPr lang="zh-TW" altLang="en-US" sz="5400" b="1" dirty="0" smtClean="0">
-                <a:solidFill>
-                  <a:srgbClr val="000066"/>
-                </a:solidFill>
-                <a:latin typeface="微軟正黑體" pitchFamily="34" charset="-120"/>
-                <a:ea typeface="微軟正黑體" pitchFamily="34" charset="-120"/>
-              </a:rPr>
-              <a:t>萬物</a:t>
-            </a:r>
-            <a:r>
-              <a:rPr lang="zh-TW" altLang="en-US" sz="5400" b="1" dirty="0">
-                <a:solidFill>
-                  <a:srgbClr val="000066"/>
-                </a:solidFill>
-                <a:latin typeface="微軟正黑體" pitchFamily="34" charset="-120"/>
-                <a:ea typeface="微軟正黑體" pitchFamily="34" charset="-120"/>
-              </a:rPr>
-              <a:t>都本於</a:t>
-            </a:r>
-            <a:r>
-              <a:rPr lang="zh-TW" altLang="en-US" sz="5400" b="1" dirty="0" smtClean="0">
-                <a:solidFill>
-                  <a:srgbClr val="000066"/>
-                </a:solidFill>
-                <a:latin typeface="微軟正黑體" pitchFamily="34" charset="-120"/>
-                <a:ea typeface="微軟正黑體" pitchFamily="34" charset="-120"/>
-              </a:rPr>
-              <a:t>你</a:t>
-            </a:r>
-            <a:endParaRPr lang="en-US" altLang="zh-TW" sz="5400" b="1" dirty="0" smtClean="0">
-              <a:solidFill>
-                <a:srgbClr val="000066"/>
-              </a:solidFill>
-              <a:latin typeface="微軟正黑體" pitchFamily="34" charset="-120"/>
-              <a:ea typeface="微軟正黑體" pitchFamily="34" charset="-120"/>
-            </a:endParaRPr>
-          </a:p>
-          <a:p>
-            <a:pPr algn="ctr">
-              <a:buNone/>
-            </a:pPr>
-            <a:r>
-              <a:rPr lang="zh-TW" altLang="en-US" sz="5400" b="1" dirty="0" smtClean="0">
-                <a:solidFill>
-                  <a:srgbClr val="000066"/>
-                </a:solidFill>
-                <a:latin typeface="微軟正黑體" pitchFamily="34" charset="-120"/>
-                <a:ea typeface="微軟正黑體" pitchFamily="34" charset="-120"/>
-              </a:rPr>
-              <a:t>屬於你  歸於你</a:t>
-            </a:r>
-            <a:endParaRPr lang="en-US" altLang="zh-TW" sz="5400" b="1" dirty="0" smtClean="0">
-              <a:solidFill>
-                <a:srgbClr val="000066"/>
-              </a:solidFill>
-              <a:latin typeface="微軟正黑體" pitchFamily="34" charset="-120"/>
-              <a:ea typeface="微軟正黑體" pitchFamily="34" charset="-120"/>
-            </a:endParaRPr>
-          </a:p>
-          <a:p>
-            <a:pPr algn="ctr">
-              <a:buNone/>
-            </a:pPr>
-            <a:r>
-              <a:rPr lang="zh-TW" altLang="en-US" sz="5400" b="1" dirty="0" smtClean="0">
-                <a:solidFill>
-                  <a:srgbClr val="000066"/>
-                </a:solidFill>
-                <a:latin typeface="微軟正黑體" pitchFamily="34" charset="-120"/>
-                <a:ea typeface="微軟正黑體" pitchFamily="34" charset="-120"/>
-              </a:rPr>
-              <a:t>你</a:t>
-            </a:r>
-            <a:r>
-              <a:rPr lang="zh-TW" altLang="en-US" sz="5400" b="1" dirty="0">
-                <a:solidFill>
-                  <a:srgbClr val="000066"/>
-                </a:solidFill>
-                <a:latin typeface="微軟正黑體" pitchFamily="34" charset="-120"/>
-                <a:ea typeface="微軟正黑體" pitchFamily="34" charset="-120"/>
-              </a:rPr>
-              <a:t>是榮耀君王</a:t>
-            </a:r>
           </a:p>
         </p:txBody>
       </p:sp>
@@ -3325,7 +3305,7 @@
       </p:grpSpPr>
       <p:sp>
         <p:nvSpPr>
-          <p:cNvPr id="4" name="標題 3"/>
+          <p:cNvPr id="2" name="標題 1"/>
           <p:cNvSpPr>
             <a:spLocks noGrp="1"/>
           </p:cNvSpPr>
@@ -3335,65 +3315,127 @@
         </p:nvSpPr>
         <p:spPr/>
         <p:txBody>
-          <a:bodyPr/>
-          <a:lstStyle/>
-          <a:p>
-            <a:r>
-              <a:rPr lang="zh-CN" altLang="en-US" b="1" dirty="0" smtClean="0">
-                <a:solidFill>
-                  <a:srgbClr val="000066"/>
-                </a:solidFill>
-                <a:latin typeface="微軟正黑體" pitchFamily="34" charset="-120"/>
-                <a:ea typeface="微軟正黑體" pitchFamily="34" charset="-120"/>
-              </a:rPr>
-              <a:t>我們歡迎君王降臨</a:t>
-            </a:r>
-            <a:endParaRPr lang="zh-TW" altLang="en-US" b="1" dirty="0">
-              <a:solidFill>
-                <a:srgbClr val="000066"/>
-              </a:solidFill>
+          <a:bodyPr>
+            <a:normAutofit/>
+          </a:bodyPr>
+          <a:lstStyle/>
+          <a:p>
+            <a:r>
+              <a:rPr lang="zh-TW" altLang="en-US" sz="4800" b="1" dirty="0">
+                <a:latin typeface="微軟正黑體" pitchFamily="34" charset="-120"/>
+                <a:ea typeface="微軟正黑體" pitchFamily="34" charset="-120"/>
+              </a:rPr>
+              <a:t>呼</a:t>
+            </a:r>
+            <a:r>
+              <a:rPr lang="zh-TW" altLang="en-US" sz="4800" b="1" dirty="0" smtClean="0">
+                <a:latin typeface="微軟正黑體" pitchFamily="34" charset="-120"/>
+                <a:ea typeface="微軟正黑體" pitchFamily="34" charset="-120"/>
+              </a:rPr>
+              <a:t>求</a:t>
+            </a:r>
+            <a:r>
+              <a:rPr lang="zh-CN" altLang="en-US" sz="4800" b="1" dirty="0">
+                <a:latin typeface="微軟正黑體" pitchFamily="34" charset="-120"/>
+                <a:ea typeface="微軟正黑體" pitchFamily="34" charset="-120"/>
+              </a:rPr>
+              <a:t>袮</a:t>
+            </a:r>
+            <a:r>
+              <a:rPr lang="zh-TW" altLang="en-US" sz="4800" b="1" dirty="0" smtClean="0">
+                <a:latin typeface="微軟正黑體" pitchFamily="34" charset="-120"/>
+                <a:ea typeface="微軟正黑體" pitchFamily="34" charset="-120"/>
+              </a:rPr>
+              <a:t>憐</a:t>
+            </a:r>
+            <a:r>
+              <a:rPr lang="zh-TW" altLang="en-US" sz="4800" b="1" dirty="0">
+                <a:latin typeface="微軟正黑體" pitchFamily="34" charset="-120"/>
+                <a:ea typeface="微軟正黑體" pitchFamily="34" charset="-120"/>
+              </a:rPr>
+              <a:t>憫</a:t>
+            </a:r>
+          </a:p>
+        </p:txBody>
+      </p:sp>
+      <p:sp>
+        <p:nvSpPr>
+          <p:cNvPr id="3" name="內容版面配置區 2"/>
+          <p:cNvSpPr>
+            <a:spLocks noGrp="1"/>
+          </p:cNvSpPr>
+          <p:nvPr>
+            <p:ph idx="1"/>
+          </p:nvPr>
+        </p:nvSpPr>
+        <p:spPr/>
+        <p:txBody>
+          <a:bodyPr>
+            <a:normAutofit/>
+          </a:bodyPr>
+          <a:lstStyle/>
+          <a:p>
+            <a:pPr algn="ctr">
+              <a:buNone/>
+            </a:pPr>
+            <a:r>
+              <a:rPr lang="zh-CN" altLang="en-US" sz="5400" b="1" dirty="0">
+                <a:latin typeface="微軟正黑體" pitchFamily="34" charset="-120"/>
+                <a:ea typeface="微軟正黑體" pitchFamily="34" charset="-120"/>
+              </a:rPr>
+              <a:t>袮</a:t>
+            </a:r>
+            <a:r>
+              <a:rPr lang="zh-TW" altLang="en-US" sz="5400" b="1" dirty="0" smtClean="0">
+                <a:latin typeface="微軟正黑體" pitchFamily="34" charset="-120"/>
+                <a:ea typeface="微軟正黑體" pitchFamily="34" charset="-120"/>
+              </a:rPr>
+              <a:t>信</a:t>
+            </a:r>
+            <a:r>
+              <a:rPr lang="zh-TW" altLang="en-US" sz="5400" b="1" dirty="0">
+                <a:latin typeface="微軟正黑體" pitchFamily="34" charset="-120"/>
+                <a:ea typeface="微軟正黑體" pitchFamily="34" charset="-120"/>
+              </a:rPr>
+              <a:t>實極其廣大</a:t>
+            </a:r>
+            <a:endParaRPr lang="en-US" altLang="zh-TW" sz="5400" b="1" dirty="0">
               <a:latin typeface="微軟正黑體" pitchFamily="34" charset="-120"/>
               <a:ea typeface="微軟正黑體" pitchFamily="34" charset="-120"/>
+              <a:cs typeface="+mj-cs"/>
             </a:endParaRPr>
           </a:p>
-        </p:txBody>
-      </p:sp>
-      <p:sp>
-        <p:nvSpPr>
-          <p:cNvPr id="5" name="內容版面配置區 4"/>
-          <p:cNvSpPr>
-            <a:spLocks noGrp="1"/>
-          </p:cNvSpPr>
-          <p:nvPr>
-            <p:ph idx="1"/>
-          </p:nvPr>
-        </p:nvSpPr>
-        <p:spPr/>
-        <p:txBody>
-          <a:bodyPr>
-            <a:noAutofit/>
-          </a:bodyPr>
-          <a:lstStyle/>
           <a:p>
             <a:pPr algn="ctr">
               <a:buNone/>
             </a:pPr>
             <a:r>
+              <a:rPr lang="zh-CN" altLang="en-US" sz="5400" b="1" dirty="0">
+                <a:latin typeface="微軟正黑體" pitchFamily="34" charset="-120"/>
+                <a:ea typeface="微軟正黑體" pitchFamily="34" charset="-120"/>
+              </a:rPr>
+              <a:t>袮</a:t>
+            </a:r>
+            <a:r>
               <a:rPr lang="zh-TW" altLang="en-US" sz="5400" b="1" dirty="0" smtClean="0">
-                <a:solidFill>
-                  <a:srgbClr val="000066"/>
-                </a:solidFill>
-                <a:latin typeface="微軟正黑體" pitchFamily="34" charset="-120"/>
-                <a:ea typeface="微軟正黑體" pitchFamily="34" charset="-120"/>
-              </a:rPr>
-              <a:t>我們歡迎君王降臨</a:t>
-            </a:r>
-            <a:endParaRPr lang="en-US" altLang="zh-TW" sz="5400" b="1" dirty="0" smtClean="0">
-              <a:solidFill>
-                <a:srgbClr val="000066"/>
-              </a:solidFill>
+                <a:latin typeface="微軟正黑體" pitchFamily="34" charset="-120"/>
+                <a:ea typeface="微軟正黑體" pitchFamily="34" charset="-120"/>
+                <a:cs typeface="+mj-cs"/>
+              </a:rPr>
+              <a:t>的</a:t>
+            </a:r>
+            <a:r>
+              <a:rPr lang="zh-TW" altLang="en-US" sz="5400" b="1" dirty="0">
+                <a:latin typeface="微軟正黑體" pitchFamily="34" charset="-120"/>
+                <a:ea typeface="微軟正黑體" pitchFamily="34" charset="-120"/>
+                <a:cs typeface="+mj-cs"/>
+              </a:rPr>
+              <a:t>憐憫不致斷絕 </a:t>
+            </a:r>
+            <a:endParaRPr lang="en-US" altLang="zh-TW" sz="5400" b="1" dirty="0">
               <a:latin typeface="微軟正黑體" pitchFamily="34" charset="-120"/>
               <a:ea typeface="微軟正黑體" pitchFamily="34" charset="-120"/>
+              <a:cs typeface="+mj-cs"/>
             </a:endParaRPr>
           </a:p>
           <a:p>
@@ -3401,21 +3443,17 @@
               <a:buNone/>
             </a:pPr>
             <a:r>
-              <a:rPr lang="zh-TW" altLang="en-US" sz="5400" b="1" dirty="0" smtClean="0">
-                <a:solidFill>
-                  <a:srgbClr val="000066"/>
-                </a:solidFill>
-                <a:latin typeface="微軟正黑體" pitchFamily="34" charset="-120"/>
-                <a:ea typeface="微軟正黑體" pitchFamily="34" charset="-120"/>
-              </a:rPr>
-              <a:t>渴望看見你的彰顯</a:t>
-            </a:r>
-            <a:endParaRPr lang="en-US" altLang="zh-TW" sz="5400" b="1" dirty="0" smtClean="0">
-              <a:solidFill>
-                <a:srgbClr val="000066"/>
-              </a:solidFill>
+              <a:rPr lang="zh-TW" altLang="en-US" sz="5400" b="1" dirty="0">
+                <a:latin typeface="微軟正黑體" pitchFamily="34" charset="-120"/>
+                <a:ea typeface="微軟正黑體" pitchFamily="34" charset="-120"/>
+                <a:cs typeface="+mj-cs"/>
+              </a:rPr>
+              <a:t>滿有恩典</a:t>
+            </a:r>
+            <a:endParaRPr lang="en-US" altLang="zh-TW" sz="5400" b="1" dirty="0">
               <a:latin typeface="微軟正黑體" pitchFamily="34" charset="-120"/>
               <a:ea typeface="微軟正黑體" pitchFamily="34" charset="-120"/>
+              <a:cs typeface="+mj-cs"/>
             </a:endParaRPr>
           </a:p>
           <a:p>
@@ -3423,44 +3461,59 @@
               <a:buNone/>
             </a:pPr>
             <a:r>
+              <a:rPr lang="zh-TW" altLang="en-US" sz="5400" b="1" dirty="0">
+                <a:latin typeface="微軟正黑體" pitchFamily="34" charset="-120"/>
+                <a:ea typeface="微軟正黑體" pitchFamily="34" charset="-120"/>
+                <a:cs typeface="+mj-cs"/>
+              </a:rPr>
+              <a:t>我尋</a:t>
+            </a:r>
+            <a:r>
               <a:rPr lang="zh-TW" altLang="en-US" sz="5400" b="1" dirty="0" smtClean="0">
-                <a:solidFill>
-                  <a:srgbClr val="000066"/>
-                </a:solidFill>
-                <a:latin typeface="微軟正黑體" pitchFamily="34" charset="-120"/>
-                <a:ea typeface="微軟正黑體" pitchFamily="34" charset="-120"/>
-              </a:rPr>
-              <a:t>呼求你來翻轉震動這土地</a:t>
-            </a:r>
-            <a:endParaRPr lang="en-US" altLang="zh-TW" sz="5400" b="1" dirty="0" smtClean="0">
-              <a:solidFill>
-                <a:srgbClr val="000066"/>
-              </a:solidFill>
-              <a:latin typeface="微軟正黑體" pitchFamily="34" charset="-120"/>
-              <a:ea typeface="微軟正黑體" pitchFamily="34" charset="-120"/>
-            </a:endParaRPr>
-          </a:p>
-          <a:p>
-            <a:pPr algn="ctr">
-              <a:buNone/>
-            </a:pPr>
+                <a:latin typeface="微軟正黑體" pitchFamily="34" charset="-120"/>
+                <a:ea typeface="微軟正黑體" pitchFamily="34" charset="-120"/>
+                <a:cs typeface="+mj-cs"/>
+              </a:rPr>
+              <a:t>求</a:t>
+            </a:r>
+            <a:r>
+              <a:rPr lang="zh-CN" altLang="en-US" sz="5400" b="1" dirty="0">
+                <a:latin typeface="微軟正黑體" pitchFamily="34" charset="-120"/>
+                <a:ea typeface="微軟正黑體" pitchFamily="34" charset="-120"/>
+              </a:rPr>
+              <a:t>袮</a:t>
+            </a:r>
             <a:r>
               <a:rPr lang="zh-TW" altLang="en-US" sz="5400" b="1" dirty="0" smtClean="0">
-                <a:solidFill>
-                  <a:srgbClr val="000066"/>
-                </a:solidFill>
-                <a:latin typeface="微軟正黑體" pitchFamily="34" charset="-120"/>
-                <a:ea typeface="微軟正黑體" pitchFamily="34" charset="-120"/>
-              </a:rPr>
-              <a:t>復興我們聖潔的熱情</a:t>
-            </a:r>
-            <a:endParaRPr lang="zh-TW" altLang="en-US" sz="5400" b="1" dirty="0">
-              <a:solidFill>
-                <a:srgbClr val="000066"/>
-              </a:solidFill>
-              <a:latin typeface="微軟正黑體" pitchFamily="34" charset="-120"/>
-              <a:ea typeface="微軟正黑體" pitchFamily="34" charset="-120"/>
-            </a:endParaRPr>
+                <a:latin typeface="微軟正黑體" pitchFamily="34" charset="-120"/>
+                <a:ea typeface="微軟正黑體" pitchFamily="34" charset="-120"/>
+                <a:cs typeface="+mj-cs"/>
+              </a:rPr>
+              <a:t>仰望</a:t>
+            </a:r>
+            <a:r>
+              <a:rPr lang="zh-CN" altLang="en-US" sz="5400" b="1" dirty="0">
+                <a:latin typeface="微軟正黑體" pitchFamily="34" charset="-120"/>
+                <a:ea typeface="微軟正黑體" pitchFamily="34" charset="-120"/>
+              </a:rPr>
+              <a:t>袮</a:t>
+            </a:r>
+            <a:r>
+              <a:rPr lang="zh-TW" altLang="en-US" sz="5400" b="1" dirty="0" smtClean="0">
+                <a:latin typeface="微軟正黑體" pitchFamily="34" charset="-120"/>
+                <a:ea typeface="微軟正黑體" pitchFamily="34" charset="-120"/>
+                <a:cs typeface="+mj-cs"/>
+              </a:rPr>
+              <a:t>的</a:t>
+            </a:r>
+            <a:r>
+              <a:rPr lang="zh-TW" altLang="en-US" sz="5400" b="1" dirty="0">
+                <a:latin typeface="微軟正黑體" pitchFamily="34" charset="-120"/>
+                <a:ea typeface="微軟正黑體" pitchFamily="34" charset="-120"/>
+                <a:cs typeface="+mj-cs"/>
+              </a:rPr>
+              <a:t>榮面</a:t>
+            </a:r>
           </a:p>
         </p:txBody>
       </p:sp>
@@ -3498,7 +3551,7 @@
       </p:grpSpPr>
       <p:sp>
         <p:nvSpPr>
-          <p:cNvPr id="4" name="標題 3"/>
+          <p:cNvPr id="2" name="標題 1"/>
           <p:cNvSpPr>
             <a:spLocks noGrp="1"/>
           </p:cNvSpPr>
@@ -3508,65 +3561,260 @@
         </p:nvSpPr>
         <p:spPr/>
         <p:txBody>
-          <a:bodyPr/>
-          <a:lstStyle/>
-          <a:p>
-            <a:r>
-              <a:rPr lang="zh-CN" altLang="en-US" b="1" dirty="0" smtClean="0">
-                <a:solidFill>
-                  <a:srgbClr val="000066"/>
-                </a:solidFill>
-                <a:latin typeface="微軟正黑體" pitchFamily="34" charset="-120"/>
-                <a:ea typeface="微軟正黑體" pitchFamily="34" charset="-120"/>
-              </a:rPr>
-              <a:t>我們歡迎君王降臨</a:t>
-            </a:r>
-            <a:endParaRPr lang="zh-TW" altLang="en-US" b="1" dirty="0">
-              <a:solidFill>
-                <a:srgbClr val="000066"/>
-              </a:solidFill>
+          <a:bodyPr>
+            <a:normAutofit/>
+          </a:bodyPr>
+          <a:lstStyle/>
+          <a:p>
+            <a:r>
+              <a:rPr lang="zh-TW" altLang="en-US" sz="4800" b="1" dirty="0">
+                <a:latin typeface="微軟正黑體" pitchFamily="34" charset="-120"/>
+                <a:ea typeface="微軟正黑體" pitchFamily="34" charset="-120"/>
+              </a:rPr>
+              <a:t>呼</a:t>
+            </a:r>
+            <a:r>
+              <a:rPr lang="zh-TW" altLang="en-US" sz="4800" b="1" dirty="0" smtClean="0">
+                <a:latin typeface="微軟正黑體" pitchFamily="34" charset="-120"/>
+                <a:ea typeface="微軟正黑體" pitchFamily="34" charset="-120"/>
+              </a:rPr>
+              <a:t>求</a:t>
+            </a:r>
+            <a:r>
+              <a:rPr lang="zh-CN" altLang="en-US" sz="4800" b="1" dirty="0">
+                <a:latin typeface="微軟正黑體" pitchFamily="34" charset="-120"/>
+                <a:ea typeface="微軟正黑體" pitchFamily="34" charset="-120"/>
+              </a:rPr>
+              <a:t>袮</a:t>
+            </a:r>
+            <a:r>
+              <a:rPr lang="zh-TW" altLang="en-US" sz="4800" b="1" dirty="0" smtClean="0">
+                <a:latin typeface="微軟正黑體" pitchFamily="34" charset="-120"/>
+                <a:ea typeface="微軟正黑體" pitchFamily="34" charset="-120"/>
+              </a:rPr>
+              <a:t>憐</a:t>
+            </a:r>
+            <a:r>
+              <a:rPr lang="zh-TW" altLang="en-US" sz="4800" b="1" dirty="0">
+                <a:latin typeface="微軟正黑體" pitchFamily="34" charset="-120"/>
+                <a:ea typeface="微軟正黑體" pitchFamily="34" charset="-120"/>
+              </a:rPr>
+              <a:t>憫</a:t>
+            </a:r>
+          </a:p>
+        </p:txBody>
+      </p:sp>
+      <p:sp>
+        <p:nvSpPr>
+          <p:cNvPr id="3" name="內容版面配置區 2"/>
+          <p:cNvSpPr>
+            <a:spLocks noGrp="1"/>
+          </p:cNvSpPr>
+          <p:nvPr>
+            <p:ph idx="1"/>
+          </p:nvPr>
+        </p:nvSpPr>
+        <p:spPr>
+          <a:xfrm>
+            <a:off x="1524000" y="1600201"/>
+            <a:ext cx="9144000" cy="4525963"/>
+          </a:xfrm>
+        </p:spPr>
+        <p:txBody>
+          <a:bodyPr>
+            <a:normAutofit/>
+          </a:bodyPr>
+          <a:lstStyle/>
+          <a:p>
+            <a:pPr algn="ctr">
+              <a:buNone/>
+            </a:pPr>
+            <a:r>
+              <a:rPr lang="zh-TW" altLang="en-US" sz="5400" b="1" dirty="0">
+                <a:latin typeface="微軟正黑體" pitchFamily="34" charset="-120"/>
+                <a:ea typeface="微軟正黑體" pitchFamily="34" charset="-120"/>
+                <a:cs typeface="+mj-cs"/>
+              </a:rPr>
+              <a:t>我呼</a:t>
+            </a:r>
+            <a:r>
+              <a:rPr lang="zh-TW" altLang="en-US" sz="5400" b="1" dirty="0" smtClean="0">
+                <a:latin typeface="微軟正黑體" pitchFamily="34" charset="-120"/>
+                <a:ea typeface="微軟正黑體" pitchFamily="34" charset="-120"/>
+                <a:cs typeface="+mj-cs"/>
+              </a:rPr>
+              <a:t>求</a:t>
+            </a:r>
+            <a:r>
+              <a:rPr lang="zh-CN" altLang="en-US" sz="5400" b="1" dirty="0">
+                <a:latin typeface="微軟正黑體" pitchFamily="34" charset="-120"/>
+                <a:ea typeface="微軟正黑體" pitchFamily="34" charset="-120"/>
+              </a:rPr>
+              <a:t>袮</a:t>
+            </a:r>
+            <a:r>
+              <a:rPr lang="zh-TW" altLang="en-US" sz="5400" b="1" dirty="0" smtClean="0">
+                <a:latin typeface="微軟正黑體" pitchFamily="34" charset="-120"/>
+                <a:ea typeface="微軟正黑體" pitchFamily="34" charset="-120"/>
+                <a:cs typeface="+mj-cs"/>
+              </a:rPr>
+              <a:t>憐</a:t>
+            </a:r>
+            <a:r>
+              <a:rPr lang="zh-TW" altLang="en-US" sz="5400" b="1" dirty="0">
+                <a:latin typeface="微軟正黑體" pitchFamily="34" charset="-120"/>
+                <a:ea typeface="微軟正黑體" pitchFamily="34" charset="-120"/>
+                <a:cs typeface="+mj-cs"/>
+              </a:rPr>
+              <a:t>憫</a:t>
+            </a:r>
+            <a:r>
+              <a:rPr lang="en-US" altLang="zh-TW" sz="5400" b="1" dirty="0">
+                <a:latin typeface="微軟正黑體" pitchFamily="34" charset="-120"/>
+                <a:ea typeface="微軟正黑體" pitchFamily="34" charset="-120"/>
+                <a:cs typeface="+mj-cs"/>
+              </a:rPr>
+              <a:t>   </a:t>
+            </a:r>
+            <a:r>
+              <a:rPr lang="zh-TW" altLang="en-US" sz="5400" b="1" dirty="0">
+                <a:latin typeface="微軟正黑體" pitchFamily="34" charset="-120"/>
+                <a:ea typeface="微軟正黑體" pitchFamily="34" charset="-120"/>
+                <a:cs typeface="+mj-cs"/>
+              </a:rPr>
+              <a:t>我</a:t>
+            </a:r>
+            <a:r>
+              <a:rPr lang="zh-TW" altLang="en-US" sz="5400" b="1" dirty="0">
+                <a:latin typeface="微軟正黑體" pitchFamily="34" charset="-120"/>
+                <a:ea typeface="微軟正黑體" pitchFamily="34" charset="-120"/>
+                <a:cs typeface="+mj-cs"/>
+              </a:rPr>
+              <a:t>呼</a:t>
+            </a:r>
+            <a:r>
+              <a:rPr lang="zh-TW" altLang="en-US" sz="5400" b="1" dirty="0" smtClean="0">
+                <a:latin typeface="微軟正黑體" pitchFamily="34" charset="-120"/>
+                <a:ea typeface="微軟正黑體" pitchFamily="34" charset="-120"/>
+                <a:cs typeface="+mj-cs"/>
+              </a:rPr>
+              <a:t>求</a:t>
+            </a:r>
+            <a:r>
+              <a:rPr lang="zh-CN" altLang="en-US" sz="5400" b="1" dirty="0">
+                <a:latin typeface="微軟正黑體" pitchFamily="34" charset="-120"/>
+                <a:ea typeface="微軟正黑體" pitchFamily="34" charset="-120"/>
+              </a:rPr>
+              <a:t>袮</a:t>
+            </a:r>
+            <a:r>
+              <a:rPr lang="zh-TW" altLang="en-US" sz="5400" b="1" dirty="0" smtClean="0">
+                <a:latin typeface="微軟正黑體" pitchFamily="34" charset="-120"/>
+                <a:ea typeface="微軟正黑體" pitchFamily="34" charset="-120"/>
+                <a:cs typeface="+mj-cs"/>
+              </a:rPr>
+              <a:t>恩</a:t>
+            </a:r>
+            <a:r>
+              <a:rPr lang="zh-TW" altLang="en-US" sz="5400" b="1" dirty="0">
+                <a:latin typeface="微軟正黑體" pitchFamily="34" charset="-120"/>
+                <a:ea typeface="微軟正黑體" pitchFamily="34" charset="-120"/>
+                <a:cs typeface="+mj-cs"/>
+              </a:rPr>
+              <a:t>典</a:t>
+            </a:r>
+            <a:endParaRPr lang="en-US" altLang="zh-TW" sz="5400" b="1" dirty="0">
               <a:latin typeface="微軟正黑體" pitchFamily="34" charset="-120"/>
               <a:ea typeface="微軟正黑體" pitchFamily="34" charset="-120"/>
+              <a:cs typeface="+mj-cs"/>
             </a:endParaRPr>
           </a:p>
-        </p:txBody>
-      </p:sp>
-      <p:sp>
-        <p:nvSpPr>
-          <p:cNvPr id="5" name="內容版面配置區 4"/>
-          <p:cNvSpPr>
-            <a:spLocks noGrp="1"/>
-          </p:cNvSpPr>
-          <p:nvPr>
-            <p:ph idx="1"/>
-          </p:nvPr>
-        </p:nvSpPr>
-        <p:spPr/>
-        <p:txBody>
-          <a:bodyPr>
-            <a:noAutofit/>
-          </a:bodyPr>
-          <a:lstStyle/>
           <a:p>
             <a:pPr algn="ctr">
               <a:buNone/>
             </a:pPr>
             <a:r>
+              <a:rPr lang="zh-TW" altLang="en-US" sz="5400" b="1" dirty="0">
+                <a:latin typeface="微軟正黑體" pitchFamily="34" charset="-120"/>
+                <a:ea typeface="微軟正黑體" pitchFamily="34" charset="-120"/>
+                <a:cs typeface="+mj-cs"/>
+              </a:rPr>
+              <a:t>我抓</a:t>
+            </a:r>
+            <a:r>
               <a:rPr lang="zh-TW" altLang="en-US" sz="5400" b="1" dirty="0" smtClean="0">
-                <a:solidFill>
-                  <a:srgbClr val="000066"/>
-                </a:solidFill>
-                <a:latin typeface="微軟正黑體" pitchFamily="34" charset="-120"/>
-                <a:ea typeface="微軟正黑體" pitchFamily="34" charset="-120"/>
-              </a:rPr>
-              <a:t>我們歡迎君王降臨</a:t>
-            </a:r>
-            <a:endParaRPr lang="en-US" altLang="zh-TW" sz="5400" b="1" dirty="0" smtClean="0">
-              <a:solidFill>
-                <a:srgbClr val="000066"/>
-              </a:solidFill>
+                <a:latin typeface="微軟正黑體" pitchFamily="34" charset="-120"/>
+                <a:ea typeface="微軟正黑體" pitchFamily="34" charset="-120"/>
+                <a:cs typeface="+mj-cs"/>
+              </a:rPr>
+              <a:t>住</a:t>
+            </a:r>
+            <a:r>
+              <a:rPr lang="zh-CN" altLang="en-US" sz="5400" b="1" dirty="0">
+                <a:latin typeface="微軟正黑體" pitchFamily="34" charset="-120"/>
+                <a:ea typeface="微軟正黑體" pitchFamily="34" charset="-120"/>
+              </a:rPr>
+              <a:t>袮</a:t>
+            </a:r>
+            <a:r>
+              <a:rPr lang="zh-TW" altLang="en-US" sz="5400" b="1" dirty="0" smtClean="0">
+                <a:latin typeface="微軟正黑體" pitchFamily="34" charset="-120"/>
+                <a:ea typeface="微軟正黑體" pitchFamily="34" charset="-120"/>
+                <a:cs typeface="+mj-cs"/>
+              </a:rPr>
+              <a:t>應</a:t>
+            </a:r>
+            <a:r>
+              <a:rPr lang="zh-TW" altLang="en-US" sz="5400" b="1" dirty="0">
+                <a:latin typeface="微軟正黑體" pitchFamily="34" charset="-120"/>
+                <a:ea typeface="微軟正黑體" pitchFamily="34" charset="-120"/>
+                <a:cs typeface="+mj-cs"/>
+              </a:rPr>
+              <a:t>許</a:t>
+            </a:r>
+            <a:r>
+              <a:rPr lang="en-US" altLang="zh-TW" sz="5400" b="1" dirty="0">
+                <a:latin typeface="微軟正黑體" pitchFamily="34" charset="-120"/>
+                <a:ea typeface="微軟正黑體" pitchFamily="34" charset="-120"/>
+                <a:cs typeface="+mj-cs"/>
+              </a:rPr>
+              <a:t>   </a:t>
+            </a:r>
+            <a:r>
+              <a:rPr lang="zh-TW" altLang="en-US" sz="5400" b="1" dirty="0">
+                <a:latin typeface="微軟正黑體" pitchFamily="34" charset="-120"/>
+                <a:ea typeface="微軟正黑體" pitchFamily="34" charset="-120"/>
+                <a:cs typeface="+mj-cs"/>
+              </a:rPr>
+              <a:t>堅定</a:t>
+            </a:r>
+            <a:r>
+              <a:rPr lang="zh-TW" altLang="en-US" sz="5400" b="1" dirty="0">
+                <a:latin typeface="微軟正黑體" pitchFamily="34" charset="-120"/>
+                <a:ea typeface="微軟正黑體" pitchFamily="34" charset="-120"/>
+                <a:cs typeface="+mj-cs"/>
+              </a:rPr>
+              <a:t>倚</a:t>
+            </a:r>
+            <a:r>
+              <a:rPr lang="zh-TW" altLang="en-US" sz="5400" b="1" dirty="0" smtClean="0">
+                <a:latin typeface="微軟正黑體" pitchFamily="34" charset="-120"/>
+                <a:ea typeface="微軟正黑體" pitchFamily="34" charset="-120"/>
+                <a:cs typeface="+mj-cs"/>
+              </a:rPr>
+              <a:t>靠</a:t>
+            </a:r>
+            <a:r>
+              <a:rPr lang="zh-CN" altLang="en-US" sz="5400" b="1" dirty="0">
+                <a:latin typeface="微軟正黑體" pitchFamily="34" charset="-120"/>
+                <a:ea typeface="微軟正黑體" pitchFamily="34" charset="-120"/>
+              </a:rPr>
+              <a:t>袮</a:t>
+            </a:r>
+            <a:endParaRPr lang="en-US" altLang="zh-TW" sz="5400" b="1" dirty="0">
               <a:latin typeface="微軟正黑體" pitchFamily="34" charset="-120"/>
               <a:ea typeface="微軟正黑體" pitchFamily="34" charset="-120"/>
+              <a:cs typeface="+mj-cs"/>
             </a:endParaRPr>
           </a:p>
           <a:p>
@@ -3574,59 +3822,26 @@
               <a:buNone/>
             </a:pPr>
             <a:r>
-              <a:rPr lang="zh-TW" altLang="en-US" sz="5400" b="1" dirty="0" smtClean="0">
-                <a:solidFill>
-                  <a:srgbClr val="000066"/>
-                </a:solidFill>
-                <a:latin typeface="微軟正黑體" pitchFamily="34" charset="-120"/>
-                <a:ea typeface="微軟正黑體" pitchFamily="34" charset="-120"/>
-              </a:rPr>
-              <a:t>同心高舉你聖潔的名</a:t>
-            </a:r>
-            <a:endParaRPr lang="en-US" altLang="zh-TW" sz="5400" b="1" dirty="0" smtClean="0">
-              <a:solidFill>
-                <a:srgbClr val="000066"/>
-              </a:solidFill>
+              <a:rPr lang="zh-TW" altLang="en-US" sz="5400" b="1" dirty="0">
+                <a:latin typeface="微軟正黑體" pitchFamily="34" charset="-120"/>
+                <a:ea typeface="微軟正黑體" pitchFamily="34" charset="-120"/>
+                <a:cs typeface="+mj-cs"/>
+              </a:rPr>
+              <a:t>憐憫原是向審判誇</a:t>
+            </a:r>
+            <a:r>
+              <a:rPr lang="zh-TW" altLang="en-US" sz="5400" b="1" dirty="0">
+                <a:latin typeface="微軟正黑體" pitchFamily="34" charset="-120"/>
+                <a:ea typeface="微軟正黑體" pitchFamily="34" charset="-120"/>
+                <a:cs typeface="+mj-cs"/>
+              </a:rPr>
+              <a:t>勝</a:t>
+            </a:r>
+            <a:endParaRPr lang="zh-TW" altLang="en-US" sz="5400" b="1" dirty="0">
               <a:latin typeface="微軟正黑體" pitchFamily="34" charset="-120"/>
               <a:ea typeface="微軟正黑體" pitchFamily="34" charset="-120"/>
+              <a:cs typeface="+mj-cs"/>
             </a:endParaRPr>
-          </a:p>
-          <a:p>
-            <a:pPr algn="ctr">
-              <a:buNone/>
-            </a:pPr>
-            <a:r>
-              <a:rPr lang="zh-TW" altLang="en-US" sz="5400" b="1" dirty="0" smtClean="0">
-                <a:solidFill>
-                  <a:srgbClr val="000066"/>
-                </a:solidFill>
-                <a:latin typeface="微軟正黑體" pitchFamily="34" charset="-120"/>
-                <a:ea typeface="微軟正黑體" pitchFamily="34" charset="-120"/>
-              </a:rPr>
-              <a:t>呼求天窗打開  春雨不停息</a:t>
-            </a:r>
-            <a:endParaRPr lang="en-US" altLang="zh-TW" sz="5400" b="1" dirty="0" smtClean="0">
-              <a:solidFill>
-                <a:srgbClr val="000066"/>
-              </a:solidFill>
-              <a:latin typeface="微軟正黑體" pitchFamily="34" charset="-120"/>
-              <a:ea typeface="微軟正黑體" pitchFamily="34" charset="-120"/>
-            </a:endParaRPr>
-          </a:p>
-          <a:p>
-            <a:pPr algn="ctr">
-              <a:buNone/>
-            </a:pPr>
-            <a:r>
-              <a:rPr lang="zh-TW" altLang="en-US" sz="5400" b="1" dirty="0" smtClean="0">
-                <a:solidFill>
-                  <a:srgbClr val="000066"/>
-                </a:solidFill>
-                <a:latin typeface="微軟正黑體" pitchFamily="34" charset="-120"/>
-                <a:ea typeface="微軟正黑體" pitchFamily="34" charset="-120"/>
-              </a:rPr>
-              <a:t>我們呼喊歡迎君王降臨</a:t>
-            </a:r>
           </a:p>
         </p:txBody>
       </p:sp>
@@ -3664,203 +3879,12 @@
       </p:grpSpPr>
       <p:sp>
         <p:nvSpPr>
-          <p:cNvPr id="4" name="標題 3"/>
+          <p:cNvPr id="2" name="標題 1"/>
           <p:cNvSpPr>
             <a:spLocks noGrp="1"/>
           </p:cNvSpPr>
           <p:nvPr>
             <p:ph type="title"/>
-          </p:nvPr>
-        </p:nvSpPr>
-        <p:spPr/>
-        <p:txBody>
-          <a:bodyPr/>
-          <a:lstStyle/>
-          <a:p>
-            <a:r>
-              <a:rPr lang="zh-CN" altLang="en-US" b="1" dirty="0" smtClean="0">
-                <a:solidFill>
-                  <a:srgbClr val="000066"/>
-                </a:solidFill>
-                <a:latin typeface="微軟正黑體" pitchFamily="34" charset="-120"/>
-                <a:ea typeface="微軟正黑體" pitchFamily="34" charset="-120"/>
-              </a:rPr>
-              <a:t>我們歡迎君王降臨</a:t>
-            </a:r>
-            <a:endParaRPr lang="zh-TW" altLang="en-US" b="1" dirty="0">
-              <a:solidFill>
-                <a:srgbClr val="000066"/>
-              </a:solidFill>
-              <a:latin typeface="微軟正黑體" pitchFamily="34" charset="-120"/>
-              <a:ea typeface="微軟正黑體" pitchFamily="34" charset="-120"/>
-            </a:endParaRPr>
-          </a:p>
-        </p:txBody>
-      </p:sp>
-      <p:sp>
-        <p:nvSpPr>
-          <p:cNvPr id="5" name="內容版面配置區 4"/>
-          <p:cNvSpPr>
-            <a:spLocks noGrp="1"/>
-          </p:cNvSpPr>
-          <p:nvPr>
-            <p:ph idx="1"/>
-          </p:nvPr>
-        </p:nvSpPr>
-        <p:spPr/>
-        <p:txBody>
-          <a:bodyPr>
-            <a:noAutofit/>
-          </a:bodyPr>
-          <a:lstStyle/>
-          <a:p>
-            <a:pPr algn="ctr">
-              <a:buNone/>
-            </a:pPr>
-            <a:r>
-              <a:rPr lang="zh-TW" altLang="en-US" sz="5400" b="1" dirty="0" smtClean="0">
-                <a:solidFill>
-                  <a:srgbClr val="000066"/>
-                </a:solidFill>
-                <a:latin typeface="微軟正黑體" pitchFamily="34" charset="-120"/>
-                <a:ea typeface="微軟正黑體" pitchFamily="34" charset="-120"/>
-              </a:rPr>
-              <a:t>大大張口  大大充滿</a:t>
-            </a:r>
-            <a:endParaRPr lang="en-US" altLang="zh-TW" sz="5400" b="1" dirty="0" smtClean="0">
-              <a:solidFill>
-                <a:srgbClr val="000066"/>
-              </a:solidFill>
-              <a:latin typeface="微軟正黑體" pitchFamily="34" charset="-120"/>
-              <a:ea typeface="微軟正黑體" pitchFamily="34" charset="-120"/>
-            </a:endParaRPr>
-          </a:p>
-          <a:p>
-            <a:pPr algn="ctr">
-              <a:buNone/>
-            </a:pPr>
-            <a:r>
-              <a:rPr lang="zh-TW" altLang="en-US" sz="5400" b="1" dirty="0" smtClean="0">
-                <a:solidFill>
-                  <a:srgbClr val="000066"/>
-                </a:solidFill>
-                <a:latin typeface="微軟正黑體" pitchFamily="34" charset="-120"/>
-                <a:ea typeface="微軟正黑體" pitchFamily="34" charset="-120"/>
-              </a:rPr>
-              <a:t>恩膏如雨  澆灌這地</a:t>
-            </a:r>
-            <a:endParaRPr lang="en-US" altLang="zh-TW" sz="5400" b="1" dirty="0" smtClean="0">
-              <a:solidFill>
-                <a:srgbClr val="000066"/>
-              </a:solidFill>
-              <a:latin typeface="微軟正黑體" pitchFamily="34" charset="-120"/>
-              <a:ea typeface="微軟正黑體" pitchFamily="34" charset="-120"/>
-            </a:endParaRPr>
-          </a:p>
-          <a:p>
-            <a:pPr algn="ctr">
-              <a:buNone/>
-            </a:pPr>
-            <a:r>
-              <a:rPr lang="zh-TW" altLang="en-US" sz="5400" b="1" dirty="0" smtClean="0">
-                <a:solidFill>
-                  <a:srgbClr val="000066"/>
-                </a:solidFill>
-                <a:latin typeface="微軟正黑體" pitchFamily="34" charset="-120"/>
-                <a:ea typeface="微軟正黑體" pitchFamily="34" charset="-120"/>
-              </a:rPr>
-              <a:t>眼未看見  耳未聽見</a:t>
-            </a:r>
-            <a:endParaRPr lang="en-US" altLang="zh-TW" sz="5400" b="1" dirty="0" smtClean="0">
-              <a:solidFill>
-                <a:srgbClr val="000066"/>
-              </a:solidFill>
-              <a:latin typeface="微軟正黑體" pitchFamily="34" charset="-120"/>
-              <a:ea typeface="微軟正黑體" pitchFamily="34" charset="-120"/>
-            </a:endParaRPr>
-          </a:p>
-          <a:p>
-            <a:pPr algn="ctr">
-              <a:buNone/>
-            </a:pPr>
-            <a:r>
-              <a:rPr lang="zh-TW" altLang="en-US" sz="5400" b="1" dirty="0" smtClean="0">
-                <a:solidFill>
-                  <a:srgbClr val="000066"/>
-                </a:solidFill>
-                <a:latin typeface="微軟正黑體" pitchFamily="34" charset="-120"/>
-                <a:ea typeface="微軟正黑體" pitchFamily="34" charset="-120"/>
-              </a:rPr>
-              <a:t>渴慕更多看見你的榮面</a:t>
-            </a:r>
-          </a:p>
-        </p:txBody>
-      </p:sp>
-    </p:spTree>
-  </p:cSld>
-  <p:clrMapOvr>
-    <a:masterClrMapping/>
-  </p:clrMapOvr>
-  <p:timing>
-    <p:tnLst>
-      <p:par>
-        <p:cTn id="1" dur="indefinite" restart="never" nodeType="tmRoot"/>
-      </p:par>
-    </p:tnLst>
-  </p:timing>
-</p:sld>
-</file>
-
-<file path=ppt/slides/slide5.xml><?xml version="1.0" encoding="utf-8"?>
-<p:sld xmlns:a="http://schemas.openxmlformats.org/drawingml/2006/main" xmlns:r="http://schemas.openxmlformats.org/officeDocument/2006/relationships" xmlns:p="http://schemas.openxmlformats.org/presentationml/2006/main">
-  <p:cSld>
-    <p:spTree>
-      <p:nvGrpSpPr>
-        <p:cNvPr id="1" name=""/>
-        <p:cNvGrpSpPr/>
-        <p:nvPr/>
-      </p:nvGrpSpPr>
-      <p:grpSpPr>
-        <a:xfrm>
-          <a:off x="0" y="0"/>
-          <a:ext cx="0" cy="0"/>
-          <a:chOff x="0" y="0"/>
-          <a:chExt cx="0" cy="0"/>
-        </a:xfrm>
-      </p:grpSpPr>
-      <p:sp>
-        <p:nvSpPr>
-          <p:cNvPr id="2" name="標題 1"/>
-          <p:cNvSpPr>
-            <a:spLocks noGrp="1"/>
-          </p:cNvSpPr>
-          <p:nvPr>
-            <p:ph type="title"/>
-          </p:nvPr>
-        </p:nvSpPr>
-        <p:spPr/>
-        <p:txBody>
-          <a:bodyPr/>
-          <a:lstStyle/>
-          <a:p>
-            <a:r>
-              <a:rPr lang="zh-TW" altLang="en-US" b="1" dirty="0">
-                <a:latin typeface="微軟正黑體" pitchFamily="34" charset="-120"/>
-                <a:ea typeface="微軟正黑體" pitchFamily="34" charset="-120"/>
-              </a:rPr>
-              <a:t>呼求你憐憫</a:t>
-            </a:r>
-          </a:p>
-        </p:txBody>
-      </p:sp>
-      <p:sp>
-        <p:nvSpPr>
-          <p:cNvPr id="3" name="內容版面配置區 2"/>
-          <p:cNvSpPr>
-            <a:spLocks noGrp="1"/>
-          </p:cNvSpPr>
-          <p:nvPr>
-            <p:ph idx="1"/>
           </p:nvPr>
         </p:nvSpPr>
         <p:spPr/>
@@ -3870,33 +3894,135 @@
           </a:bodyPr>
           <a:lstStyle/>
           <a:p>
+            <a:r>
+              <a:rPr lang="zh-TW" altLang="en-US" sz="4800" b="1" dirty="0">
+                <a:latin typeface="微軟正黑體" pitchFamily="34" charset="-120"/>
+                <a:ea typeface="微軟正黑體" pitchFamily="34" charset="-120"/>
+              </a:rPr>
+              <a:t>呼</a:t>
+            </a:r>
+            <a:r>
+              <a:rPr lang="zh-TW" altLang="en-US" sz="4800" b="1" dirty="0" smtClean="0">
+                <a:latin typeface="微軟正黑體" pitchFamily="34" charset="-120"/>
+                <a:ea typeface="微軟正黑體" pitchFamily="34" charset="-120"/>
+              </a:rPr>
+              <a:t>求</a:t>
+            </a:r>
+            <a:r>
+              <a:rPr lang="zh-CN" altLang="en-US" sz="4800" b="1" dirty="0">
+                <a:latin typeface="微軟正黑體" pitchFamily="34" charset="-120"/>
+                <a:ea typeface="微軟正黑體" pitchFamily="34" charset="-120"/>
+              </a:rPr>
+              <a:t>袮</a:t>
+            </a:r>
+            <a:r>
+              <a:rPr lang="zh-TW" altLang="en-US" sz="4800" b="1" dirty="0" smtClean="0">
+                <a:latin typeface="微軟正黑體" pitchFamily="34" charset="-120"/>
+                <a:ea typeface="微軟正黑體" pitchFamily="34" charset="-120"/>
+              </a:rPr>
+              <a:t>憐</a:t>
+            </a:r>
+            <a:r>
+              <a:rPr lang="zh-TW" altLang="en-US" sz="4800" b="1" dirty="0">
+                <a:latin typeface="微軟正黑體" pitchFamily="34" charset="-120"/>
+                <a:ea typeface="微軟正黑體" pitchFamily="34" charset="-120"/>
+              </a:rPr>
+              <a:t>憫</a:t>
+            </a:r>
+          </a:p>
+        </p:txBody>
+      </p:sp>
+      <p:sp>
+        <p:nvSpPr>
+          <p:cNvPr id="3" name="內容版面配置區 2"/>
+          <p:cNvSpPr>
+            <a:spLocks noGrp="1"/>
+          </p:cNvSpPr>
+          <p:nvPr>
+            <p:ph idx="1"/>
+          </p:nvPr>
+        </p:nvSpPr>
+        <p:spPr>
+          <a:xfrm>
+            <a:off x="1524000" y="1600201"/>
+            <a:ext cx="9144000" cy="4525963"/>
+          </a:xfrm>
+        </p:spPr>
+        <p:txBody>
+          <a:bodyPr>
+            <a:normAutofit/>
+          </a:bodyPr>
+          <a:lstStyle/>
+          <a:p>
             <a:pPr algn="ctr">
               <a:buNone/>
             </a:pPr>
             <a:r>
+              <a:rPr lang="zh-TW" altLang="en-US" sz="5400" b="1" dirty="0">
+                <a:latin typeface="微軟正黑體" pitchFamily="34" charset="-120"/>
+                <a:ea typeface="微軟正黑體" pitchFamily="34" charset="-120"/>
+                <a:cs typeface="+mj-cs"/>
+              </a:rPr>
+              <a:t>我呼</a:t>
+            </a:r>
+            <a:r>
               <a:rPr lang="zh-TW" altLang="en-US" sz="5400" b="1" dirty="0" smtClean="0">
                 <a:latin typeface="微軟正黑體" pitchFamily="34" charset="-120"/>
                 <a:ea typeface="微軟正黑體" pitchFamily="34" charset="-120"/>
-              </a:rPr>
-              <a:t>你</a:t>
+                <a:cs typeface="+mj-cs"/>
+              </a:rPr>
+              <a:t>求</a:t>
+            </a:r>
+            <a:r>
+              <a:rPr lang="zh-CN" altLang="en-US" sz="5400" b="1" dirty="0">
+                <a:latin typeface="微軟正黑體" pitchFamily="34" charset="-120"/>
+                <a:ea typeface="微軟正黑體" pitchFamily="34" charset="-120"/>
+              </a:rPr>
+              <a:t>袮</a:t>
+            </a:r>
+            <a:r>
+              <a:rPr lang="zh-TW" altLang="en-US" sz="5400" b="1" dirty="0" smtClean="0">
+                <a:latin typeface="微軟正黑體" pitchFamily="34" charset="-120"/>
+                <a:ea typeface="微軟正黑體" pitchFamily="34" charset="-120"/>
+                <a:cs typeface="+mj-cs"/>
+              </a:rPr>
+              <a:t>憐</a:t>
             </a:r>
             <a:r>
               <a:rPr lang="zh-TW" altLang="en-US" sz="5400" b="1" dirty="0">
                 <a:latin typeface="微軟正黑體" pitchFamily="34" charset="-120"/>
                 <a:ea typeface="微軟正黑體" pitchFamily="34" charset="-120"/>
-              </a:rPr>
-              <a:t>知道我的</a:t>
+                <a:cs typeface="+mj-cs"/>
+              </a:rPr>
+              <a:t>憫   我呼</a:t>
             </a:r>
             <a:r>
               <a:rPr lang="zh-TW" altLang="en-US" sz="5400" b="1" dirty="0" smtClean="0">
                 <a:latin typeface="微軟正黑體" pitchFamily="34" charset="-120"/>
                 <a:ea typeface="微軟正黑體" pitchFamily="34" charset="-120"/>
-              </a:rPr>
-              <a:t>軟弱</a:t>
+                <a:cs typeface="+mj-cs"/>
+              </a:rPr>
+              <a:t>求</a:t>
+            </a:r>
+            <a:r>
+              <a:rPr lang="zh-CN" altLang="en-US" sz="5400" b="1" dirty="0">
+                <a:latin typeface="微軟正黑體" pitchFamily="34" charset="-120"/>
+                <a:ea typeface="微軟正黑體" pitchFamily="34" charset="-120"/>
+              </a:rPr>
+              <a:t>袮</a:t>
+            </a:r>
+            <a:r>
+              <a:rPr lang="zh-TW" altLang="en-US" sz="5400" b="1" dirty="0" smtClean="0">
+                <a:latin typeface="微軟正黑體" pitchFamily="34" charset="-120"/>
+                <a:ea typeface="微軟正黑體" pitchFamily="34" charset="-120"/>
+                <a:cs typeface="+mj-cs"/>
+              </a:rPr>
+              <a:t>恩典</a:t>
             </a:r>
             <a:endParaRPr lang="en-US" altLang="zh-TW" sz="5400" b="1" dirty="0">
               <a:latin typeface="微軟正黑體" pitchFamily="34" charset="-120"/>
               <a:ea typeface="微軟正黑體" pitchFamily="34" charset="-120"/>
+              <a:cs typeface="+mj-cs"/>
             </a:endParaRPr>
           </a:p>
           <a:p>
@@ -3904,153 +4030,35 @@
               <a:buNone/>
             </a:pPr>
             <a:r>
+              <a:rPr lang="zh-CN" altLang="en-US" sz="5400" b="1" dirty="0" smtClean="0">
+                <a:latin typeface="微軟正黑體" pitchFamily="34" charset="-120"/>
+                <a:ea typeface="微軟正黑體" pitchFamily="34" charset="-120"/>
+              </a:rPr>
+              <a:t>袮</a:t>
+            </a:r>
+            <a:r>
               <a:rPr lang="zh-TW" altLang="en-US" sz="5400" b="1" dirty="0" smtClean="0">
                 <a:latin typeface="微軟正黑體" pitchFamily="34" charset="-120"/>
                 <a:ea typeface="微軟正黑體" pitchFamily="34" charset="-120"/>
-              </a:rPr>
-              <a:t>你</a:t>
+                <a:cs typeface="+mj-cs"/>
+              </a:rPr>
+              <a:t>同</a:t>
             </a:r>
             <a:r>
               <a:rPr lang="zh-TW" altLang="en-US" sz="5400" b="1" dirty="0">
                 <a:latin typeface="微軟正黑體" pitchFamily="34" charset="-120"/>
                 <a:ea typeface="微軟正黑體" pitchFamily="34" charset="-120"/>
-              </a:rPr>
-              <a:t>用聖靈的大能來堅固</a:t>
+                <a:cs typeface="+mj-cs"/>
+              </a:rPr>
+              <a:t>在不離開   聖靈扶持</a:t>
             </a:r>
             <a:r>
               <a:rPr lang="zh-TW" altLang="en-US" sz="5400" b="1" dirty="0" smtClean="0">
                 <a:latin typeface="微軟正黑體" pitchFamily="34" charset="-120"/>
                 <a:ea typeface="微軟正黑體" pitchFamily="34" charset="-120"/>
+                <a:cs typeface="+mj-cs"/>
               </a:rPr>
               <a:t>我</a:t>
-            </a:r>
-            <a:endParaRPr lang="en-US" altLang="zh-TW" sz="5400" b="1" dirty="0">
-              <a:latin typeface="微軟正黑體" pitchFamily="34" charset="-120"/>
-              <a:ea typeface="微軟正黑體" pitchFamily="34" charset="-120"/>
-            </a:endParaRPr>
-          </a:p>
-          <a:p>
-            <a:pPr algn="ctr">
-              <a:buNone/>
-            </a:pPr>
-            <a:r>
-              <a:rPr lang="zh-TW" altLang="en-US" sz="5400" b="1" dirty="0" smtClean="0">
-                <a:latin typeface="微軟正黑體" pitchFamily="34" charset="-120"/>
-                <a:ea typeface="微軟正黑體" pitchFamily="34" charset="-120"/>
-              </a:rPr>
-              <a:t>你</a:t>
-            </a:r>
-            <a:r>
-              <a:rPr lang="zh-TW" altLang="en-US" sz="5400" b="1" dirty="0">
-                <a:latin typeface="微軟正黑體" pitchFamily="34" charset="-120"/>
-                <a:ea typeface="微軟正黑體" pitchFamily="34" charset="-120"/>
-              </a:rPr>
-              <a:t>的恩惠和慈愛為我</a:t>
-            </a:r>
-            <a:r>
-              <a:rPr lang="zh-TW" altLang="en-US" sz="5400" b="1" dirty="0" smtClean="0">
-                <a:latin typeface="微軟正黑體" pitchFamily="34" charset="-120"/>
-                <a:ea typeface="微軟正黑體" pitchFamily="34" charset="-120"/>
-              </a:rPr>
-              <a:t>預備</a:t>
-            </a:r>
-            <a:endParaRPr lang="en-US" altLang="zh-TW" sz="5400" b="1" dirty="0">
-              <a:latin typeface="微軟正黑體" pitchFamily="34" charset="-120"/>
-              <a:ea typeface="微軟正黑體" pitchFamily="34" charset="-120"/>
-            </a:endParaRPr>
-          </a:p>
-        </p:txBody>
-      </p:sp>
-    </p:spTree>
-  </p:cSld>
-  <p:clrMapOvr>
-    <a:masterClrMapping/>
-  </p:clrMapOvr>
-  <p:timing>
-    <p:tnLst>
-      <p:par>
-        <p:cTn id="1" dur="indefinite" restart="never" nodeType="tmRoot"/>
-      </p:par>
-    </p:tnLst>
-  </p:timing>
-</p:sld>
-</file>
-
-<file path=ppt/slides/slide6.xml><?xml version="1.0" encoding="utf-8"?>
-<p:sld xmlns:a="http://schemas.openxmlformats.org/drawingml/2006/main" xmlns:r="http://schemas.openxmlformats.org/officeDocument/2006/relationships" xmlns:p="http://schemas.openxmlformats.org/presentationml/2006/main">
-  <p:cSld>
-    <p:spTree>
-      <p:nvGrpSpPr>
-        <p:cNvPr id="1" name=""/>
-        <p:cNvGrpSpPr/>
-        <p:nvPr/>
-      </p:nvGrpSpPr>
-      <p:grpSpPr>
-        <a:xfrm>
-          <a:off x="0" y="0"/>
-          <a:ext cx="0" cy="0"/>
-          <a:chOff x="0" y="0"/>
-          <a:chExt cx="0" cy="0"/>
-        </a:xfrm>
-      </p:grpSpPr>
-      <p:sp>
-        <p:nvSpPr>
-          <p:cNvPr id="2" name="標題 1"/>
-          <p:cNvSpPr>
-            <a:spLocks noGrp="1"/>
-          </p:cNvSpPr>
-          <p:nvPr>
-            <p:ph type="title"/>
-          </p:nvPr>
-        </p:nvSpPr>
-        <p:spPr/>
-        <p:txBody>
-          <a:bodyPr/>
-          <a:lstStyle/>
-          <a:p>
-            <a:r>
-              <a:rPr lang="zh-TW" altLang="en-US" b="1" dirty="0">
-                <a:latin typeface="微軟正黑體" pitchFamily="34" charset="-120"/>
-                <a:ea typeface="微軟正黑體" pitchFamily="34" charset="-120"/>
-              </a:rPr>
-              <a:t>呼求你憐憫</a:t>
-            </a:r>
-          </a:p>
-        </p:txBody>
-      </p:sp>
-      <p:sp>
-        <p:nvSpPr>
-          <p:cNvPr id="3" name="內容版面配置區 2"/>
-          <p:cNvSpPr>
-            <a:spLocks noGrp="1"/>
-          </p:cNvSpPr>
-          <p:nvPr>
-            <p:ph idx="1"/>
-          </p:nvPr>
-        </p:nvSpPr>
-        <p:spPr/>
-        <p:txBody>
-          <a:bodyPr>
-            <a:normAutofit/>
-          </a:bodyPr>
-          <a:lstStyle/>
-          <a:p>
-            <a:pPr algn="ctr">
-              <a:buNone/>
-            </a:pPr>
-            <a:r>
-              <a:rPr lang="zh-TW" altLang="en-US" sz="5400" b="1" dirty="0" smtClean="0">
-                <a:latin typeface="微軟正黑體" pitchFamily="34" charset="-120"/>
-                <a:ea typeface="微軟正黑體" pitchFamily="34" charset="-120"/>
-              </a:rPr>
-              <a:t>你信實極其</a:t>
-            </a:r>
-            <a:r>
-              <a:rPr lang="zh-TW" altLang="en-US" sz="5400" b="1" dirty="0" smtClean="0">
-                <a:latin typeface="微軟正黑體" pitchFamily="34" charset="-120"/>
-                <a:ea typeface="微軟正黑體" pitchFamily="34" charset="-120"/>
-              </a:rPr>
-              <a:t>廣大</a:t>
             </a:r>
             <a:endParaRPr lang="en-US" altLang="zh-TW" sz="5400" b="1" dirty="0" smtClean="0">
               <a:latin typeface="微軟正黑體" pitchFamily="34" charset="-120"/>
@@ -4063,12 +4071,19 @@
               <a:buNone/>
             </a:pPr>
             <a:r>
+              <a:rPr lang="zh-CN" altLang="en-US" sz="5400" b="1" dirty="0" smtClean="0">
+                <a:latin typeface="微軟正黑體" pitchFamily="34" charset="-120"/>
+                <a:ea typeface="微軟正黑體" pitchFamily="34" charset="-120"/>
+              </a:rPr>
+              <a:t>袮</a:t>
+            </a:r>
+            <a:r>
               <a:rPr lang="zh-TW" altLang="en-US" sz="5400" b="1" dirty="0" smtClean="0">
                 <a:latin typeface="微軟正黑體" pitchFamily="34" charset="-120"/>
                 <a:ea typeface="微軟正黑體" pitchFamily="34" charset="-120"/>
                 <a:cs typeface="+mj-cs"/>
               </a:rPr>
-              <a:t>你</a:t>
+              <a:t>是</a:t>
             </a:r>
             <a:r>
               <a:rPr lang="zh-TW" altLang="en-US" sz="5400" b="1" dirty="0">
@@ -4076,380 +4091,7 @@
                 <a:ea typeface="微軟正黑體" pitchFamily="34" charset="-120"/>
                 <a:cs typeface="+mj-cs"/>
               </a:rPr>
-              <a:t>的憐憫不致斷絕 </a:t>
-            </a:r>
-            <a:endParaRPr lang="en-US" altLang="zh-TW" sz="5400" b="1" dirty="0">
-              <a:latin typeface="微軟正黑體" pitchFamily="34" charset="-120"/>
-              <a:ea typeface="微軟正黑體" pitchFamily="34" charset="-120"/>
-              <a:cs typeface="+mj-cs"/>
-            </a:endParaRPr>
-          </a:p>
-          <a:p>
-            <a:pPr algn="ctr">
-              <a:buNone/>
-            </a:pPr>
-            <a:r>
-              <a:rPr lang="zh-TW" altLang="en-US" sz="5400" b="1" dirty="0">
-                <a:latin typeface="微軟正黑體" pitchFamily="34" charset="-120"/>
-                <a:ea typeface="微軟正黑體" pitchFamily="34" charset="-120"/>
-                <a:cs typeface="+mj-cs"/>
-              </a:rPr>
-              <a:t>滿有恩典</a:t>
-            </a:r>
-            <a:endParaRPr lang="en-US" altLang="zh-TW" sz="5400" b="1" dirty="0">
-              <a:latin typeface="微軟正黑體" pitchFamily="34" charset="-120"/>
-              <a:ea typeface="微軟正黑體" pitchFamily="34" charset="-120"/>
-              <a:cs typeface="+mj-cs"/>
-            </a:endParaRPr>
-          </a:p>
-          <a:p>
-            <a:pPr algn="ctr">
-              <a:buNone/>
-            </a:pPr>
-            <a:r>
-              <a:rPr lang="zh-TW" altLang="en-US" sz="5400" b="1" dirty="0">
-                <a:latin typeface="微軟正黑體" pitchFamily="34" charset="-120"/>
-                <a:ea typeface="微軟正黑體" pitchFamily="34" charset="-120"/>
-                <a:cs typeface="+mj-cs"/>
-              </a:rPr>
-              <a:t>我尋求你仰望你的榮面</a:t>
-            </a:r>
-          </a:p>
-        </p:txBody>
-      </p:sp>
-    </p:spTree>
-  </p:cSld>
-  <p:clrMapOvr>
-    <a:masterClrMapping/>
-  </p:clrMapOvr>
-  <p:timing>
-    <p:tnLst>
-      <p:par>
-        <p:cTn id="1" dur="indefinite" restart="never" nodeType="tmRoot"/>
-      </p:par>
-    </p:tnLst>
-  </p:timing>
-</p:sld>
-</file>
-
-<file path=ppt/slides/slide7.xml><?xml version="1.0" encoding="utf-8"?>
-<p:sld xmlns:a="http://schemas.openxmlformats.org/drawingml/2006/main" xmlns:r="http://schemas.openxmlformats.org/officeDocument/2006/relationships" xmlns:p="http://schemas.openxmlformats.org/presentationml/2006/main">
-  <p:cSld>
-    <p:spTree>
-      <p:nvGrpSpPr>
-        <p:cNvPr id="1" name=""/>
-        <p:cNvGrpSpPr/>
-        <p:nvPr/>
-      </p:nvGrpSpPr>
-      <p:grpSpPr>
-        <a:xfrm>
-          <a:off x="0" y="0"/>
-          <a:ext cx="0" cy="0"/>
-          <a:chOff x="0" y="0"/>
-          <a:chExt cx="0" cy="0"/>
-        </a:xfrm>
-      </p:grpSpPr>
-      <p:sp>
-        <p:nvSpPr>
-          <p:cNvPr id="2" name="標題 1"/>
-          <p:cNvSpPr>
-            <a:spLocks noGrp="1"/>
-          </p:cNvSpPr>
-          <p:nvPr>
-            <p:ph type="title"/>
-          </p:nvPr>
-        </p:nvSpPr>
-        <p:spPr/>
-        <p:txBody>
-          <a:bodyPr/>
-          <a:lstStyle/>
-          <a:p>
-            <a:r>
-              <a:rPr lang="zh-TW" altLang="en-US" b="1" dirty="0">
-                <a:latin typeface="微軟正黑體" pitchFamily="34" charset="-120"/>
-                <a:ea typeface="微軟正黑體" pitchFamily="34" charset="-120"/>
-              </a:rPr>
-              <a:t>呼求你憐憫</a:t>
-            </a:r>
-          </a:p>
-        </p:txBody>
-      </p:sp>
-      <p:sp>
-        <p:nvSpPr>
-          <p:cNvPr id="3" name="內容版面配置區 2"/>
-          <p:cNvSpPr>
-            <a:spLocks noGrp="1"/>
-          </p:cNvSpPr>
-          <p:nvPr>
-            <p:ph idx="1"/>
-          </p:nvPr>
-        </p:nvSpPr>
-        <p:spPr>
-          <a:xfrm>
-            <a:off x="0" y="1600200"/>
-            <a:ext cx="9144000" cy="4525963"/>
-          </a:xfrm>
-        </p:spPr>
-        <p:txBody>
-          <a:bodyPr>
-            <a:normAutofit/>
-          </a:bodyPr>
-          <a:lstStyle/>
-          <a:p>
-            <a:pPr algn="ctr">
-              <a:buNone/>
-            </a:pPr>
-            <a:r>
-              <a:rPr lang="zh-TW" altLang="en-US" sz="5400" b="1" dirty="0">
-                <a:latin typeface="微軟正黑體" pitchFamily="34" charset="-120"/>
-                <a:ea typeface="微軟正黑體" pitchFamily="34" charset="-120"/>
-                <a:cs typeface="+mj-cs"/>
-              </a:rPr>
-              <a:t>我呼求你</a:t>
-            </a:r>
-            <a:r>
-              <a:rPr lang="zh-TW" altLang="en-US" sz="5400" b="1" dirty="0" smtClean="0">
-                <a:latin typeface="微軟正黑體" pitchFamily="34" charset="-120"/>
-                <a:ea typeface="微軟正黑體" pitchFamily="34" charset="-120"/>
-                <a:cs typeface="+mj-cs"/>
-              </a:rPr>
-              <a:t>憐憫</a:t>
-            </a:r>
-            <a:r>
-              <a:rPr lang="en-US" altLang="zh-TW" sz="5400" b="1" dirty="0" smtClean="0">
-                <a:latin typeface="微軟正黑體" pitchFamily="34" charset="-120"/>
-                <a:ea typeface="微軟正黑體" pitchFamily="34" charset="-120"/>
-                <a:cs typeface="+mj-cs"/>
-              </a:rPr>
-              <a:t>   </a:t>
-            </a:r>
-            <a:r>
-              <a:rPr lang="zh-TW" altLang="en-US" sz="5400" b="1" dirty="0" smtClean="0">
-                <a:latin typeface="微軟正黑體" pitchFamily="34" charset="-120"/>
-                <a:ea typeface="微軟正黑體" pitchFamily="34" charset="-120"/>
-                <a:cs typeface="+mj-cs"/>
-              </a:rPr>
-              <a:t>我</a:t>
-            </a:r>
-            <a:r>
-              <a:rPr lang="zh-TW" altLang="en-US" sz="5400" b="1" dirty="0">
-                <a:latin typeface="微軟正黑體" pitchFamily="34" charset="-120"/>
-                <a:ea typeface="微軟正黑體" pitchFamily="34" charset="-120"/>
-                <a:cs typeface="+mj-cs"/>
-              </a:rPr>
-              <a:t>呼求你恩典</a:t>
-            </a:r>
-            <a:endParaRPr lang="en-US" altLang="zh-TW" sz="5400" b="1" dirty="0">
-              <a:latin typeface="微軟正黑體" pitchFamily="34" charset="-120"/>
-              <a:ea typeface="微軟正黑體" pitchFamily="34" charset="-120"/>
-              <a:cs typeface="+mj-cs"/>
-            </a:endParaRPr>
-          </a:p>
-          <a:p>
-            <a:pPr algn="ctr">
-              <a:buNone/>
-            </a:pPr>
-            <a:r>
-              <a:rPr lang="zh-TW" altLang="en-US" sz="5400" b="1" dirty="0">
-                <a:latin typeface="微軟正黑體" pitchFamily="34" charset="-120"/>
-                <a:ea typeface="微軟正黑體" pitchFamily="34" charset="-120"/>
-                <a:cs typeface="+mj-cs"/>
-              </a:rPr>
-              <a:t>我抓住你</a:t>
-            </a:r>
-            <a:r>
-              <a:rPr lang="zh-TW" altLang="en-US" sz="5400" b="1" dirty="0" smtClean="0">
-                <a:latin typeface="微軟正黑體" pitchFamily="34" charset="-120"/>
-                <a:ea typeface="微軟正黑體" pitchFamily="34" charset="-120"/>
-                <a:cs typeface="+mj-cs"/>
-              </a:rPr>
-              <a:t>應許</a:t>
-            </a:r>
-            <a:r>
-              <a:rPr lang="en-US" altLang="zh-TW" sz="5400" b="1" dirty="0" smtClean="0">
-                <a:latin typeface="微軟正黑體" pitchFamily="34" charset="-120"/>
-                <a:ea typeface="微軟正黑體" pitchFamily="34" charset="-120"/>
-                <a:cs typeface="+mj-cs"/>
-              </a:rPr>
-              <a:t>   </a:t>
-            </a:r>
-            <a:r>
-              <a:rPr lang="zh-TW" altLang="en-US" sz="5400" b="1" dirty="0" smtClean="0">
-                <a:latin typeface="微軟正黑體" pitchFamily="34" charset="-120"/>
-                <a:ea typeface="微軟正黑體" pitchFamily="34" charset="-120"/>
-                <a:cs typeface="+mj-cs"/>
-              </a:rPr>
-              <a:t>堅定</a:t>
-            </a:r>
-            <a:r>
-              <a:rPr lang="zh-TW" altLang="en-US" sz="5400" b="1" dirty="0">
-                <a:latin typeface="微軟正黑體" pitchFamily="34" charset="-120"/>
-                <a:ea typeface="微軟正黑體" pitchFamily="34" charset="-120"/>
-                <a:cs typeface="+mj-cs"/>
-              </a:rPr>
-              <a:t>倚靠</a:t>
-            </a:r>
-            <a:r>
-              <a:rPr lang="zh-TW" altLang="en-US" sz="5400" b="1" dirty="0" smtClean="0">
-                <a:latin typeface="微軟正黑體" pitchFamily="34" charset="-120"/>
-                <a:ea typeface="微軟正黑體" pitchFamily="34" charset="-120"/>
-                <a:cs typeface="+mj-cs"/>
-              </a:rPr>
-              <a:t>你</a:t>
-            </a:r>
-            <a:endParaRPr lang="en-US" altLang="zh-TW" sz="5400" b="1" dirty="0" smtClean="0">
-              <a:latin typeface="微軟正黑體" pitchFamily="34" charset="-120"/>
-              <a:ea typeface="微軟正黑體" pitchFamily="34" charset="-120"/>
-              <a:cs typeface="+mj-cs"/>
-            </a:endParaRPr>
-          </a:p>
-          <a:p>
-            <a:pPr algn="ctr">
-              <a:buNone/>
-            </a:pPr>
-            <a:r>
-              <a:rPr lang="zh-TW" altLang="en-US" sz="5400" b="1" dirty="0">
-                <a:latin typeface="微軟正黑體" pitchFamily="34" charset="-120"/>
-                <a:ea typeface="微軟正黑體" pitchFamily="34" charset="-120"/>
-                <a:cs typeface="+mj-cs"/>
-              </a:rPr>
-              <a:t>憐憫原是向審判誇</a:t>
-            </a:r>
-            <a:r>
-              <a:rPr lang="zh-TW" altLang="en-US" sz="5400" b="1" dirty="0" smtClean="0">
-                <a:latin typeface="微軟正黑體" pitchFamily="34" charset="-120"/>
-                <a:ea typeface="微軟正黑體" pitchFamily="34" charset="-120"/>
-                <a:cs typeface="+mj-cs"/>
-              </a:rPr>
-              <a:t>勝</a:t>
-            </a:r>
-            <a:endParaRPr lang="zh-TW" altLang="en-US" sz="5400" b="1" dirty="0">
-              <a:latin typeface="微軟正黑體" pitchFamily="34" charset="-120"/>
-              <a:ea typeface="微軟正黑體" pitchFamily="34" charset="-120"/>
-              <a:cs typeface="+mj-cs"/>
-            </a:endParaRPr>
-          </a:p>
-        </p:txBody>
-      </p:sp>
-    </p:spTree>
-  </p:cSld>
-  <p:clrMapOvr>
-    <a:masterClrMapping/>
-  </p:clrMapOvr>
-  <p:timing>
-    <p:tnLst>
-      <p:par>
-        <p:cTn id="1" dur="indefinite" restart="never" nodeType="tmRoot"/>
-      </p:par>
-    </p:tnLst>
-  </p:timing>
-</p:sld>
-</file>
-
-<file path=ppt/slides/slide8.xml><?xml version="1.0" encoding="utf-8"?>
-<p:sld xmlns:a="http://schemas.openxmlformats.org/drawingml/2006/main" xmlns:r="http://schemas.openxmlformats.org/officeDocument/2006/relationships" xmlns:p="http://schemas.openxmlformats.org/presentationml/2006/main">
-  <p:cSld>
-    <p:spTree>
-      <p:nvGrpSpPr>
-        <p:cNvPr id="1" name=""/>
-        <p:cNvGrpSpPr/>
-        <p:nvPr/>
-      </p:nvGrpSpPr>
-      <p:grpSpPr>
-        <a:xfrm>
-          <a:off x="0" y="0"/>
-          <a:ext cx="0" cy="0"/>
-          <a:chOff x="0" y="0"/>
-          <a:chExt cx="0" cy="0"/>
-        </a:xfrm>
-      </p:grpSpPr>
-      <p:sp>
-        <p:nvSpPr>
-          <p:cNvPr id="2" name="標題 1"/>
-          <p:cNvSpPr>
-            <a:spLocks noGrp="1"/>
-          </p:cNvSpPr>
-          <p:nvPr>
-            <p:ph type="title"/>
-          </p:nvPr>
-        </p:nvSpPr>
-        <p:spPr/>
-        <p:txBody>
-          <a:bodyPr/>
-          <a:lstStyle/>
-          <a:p>
-            <a:r>
-              <a:rPr lang="zh-TW" altLang="en-US" b="1" dirty="0">
-                <a:latin typeface="微軟正黑體" pitchFamily="34" charset="-120"/>
-                <a:ea typeface="微軟正黑體" pitchFamily="34" charset="-120"/>
-              </a:rPr>
-              <a:t>呼求你憐憫</a:t>
-            </a:r>
-          </a:p>
-        </p:txBody>
-      </p:sp>
-      <p:sp>
-        <p:nvSpPr>
-          <p:cNvPr id="3" name="內容版面配置區 2"/>
-          <p:cNvSpPr>
-            <a:spLocks noGrp="1"/>
-          </p:cNvSpPr>
-          <p:nvPr>
-            <p:ph idx="1"/>
-          </p:nvPr>
-        </p:nvSpPr>
-        <p:spPr>
-          <a:xfrm>
-            <a:off x="0" y="1600200"/>
-            <a:ext cx="9144000" cy="4525963"/>
-          </a:xfrm>
-        </p:spPr>
-        <p:txBody>
-          <a:bodyPr>
-            <a:normAutofit/>
-          </a:bodyPr>
-          <a:lstStyle/>
-          <a:p>
-            <a:pPr algn="ctr">
-              <a:buNone/>
-            </a:pPr>
-            <a:r>
-              <a:rPr lang="zh-TW" altLang="en-US" sz="5400" b="1" dirty="0">
-                <a:latin typeface="微軟正黑體" pitchFamily="34" charset="-120"/>
-                <a:ea typeface="微軟正黑體" pitchFamily="34" charset="-120"/>
-                <a:cs typeface="+mj-cs"/>
-              </a:rPr>
-              <a:t>我呼求你憐憫   我呼求你恩典</a:t>
-            </a:r>
-            <a:br>
-              <a:rPr lang="zh-TW" altLang="en-US" sz="5400" b="1" dirty="0">
-                <a:latin typeface="微軟正黑體" pitchFamily="34" charset="-120"/>
-                <a:ea typeface="微軟正黑體" pitchFamily="34" charset="-120"/>
-                <a:cs typeface="+mj-cs"/>
-              </a:rPr>
-            </a:br>
-            <a:r>
-              <a:rPr lang="zh-TW" altLang="en-US" sz="5400" b="1" dirty="0">
-                <a:latin typeface="微軟正黑體" pitchFamily="34" charset="-120"/>
-                <a:ea typeface="微軟正黑體" pitchFamily="34" charset="-120"/>
-                <a:cs typeface="+mj-cs"/>
-              </a:rPr>
-              <a:t>你同在不離開   聖靈扶持我</a:t>
-            </a:r>
-            <a:br>
-              <a:rPr lang="zh-TW" altLang="en-US" sz="5400" b="1" dirty="0">
-                <a:latin typeface="微軟正黑體" pitchFamily="34" charset="-120"/>
-                <a:ea typeface="微軟正黑體" pitchFamily="34" charset="-120"/>
-                <a:cs typeface="+mj-cs"/>
-              </a:rPr>
-            </a:br>
-            <a:r>
-              <a:rPr lang="zh-TW" altLang="en-US" sz="5400" b="1" dirty="0">
-                <a:latin typeface="微軟正黑體" pitchFamily="34" charset="-120"/>
-                <a:ea typeface="微軟正黑體" pitchFamily="34" charset="-120"/>
-                <a:cs typeface="+mj-cs"/>
-              </a:rPr>
-              <a:t>你是我拯救</a:t>
+              <a:t>我拯救</a:t>
             </a:r>
           </a:p>
         </p:txBody>
